--- a/doc/Project Lima Presentation.pptx
+++ b/doc/Project Lima Presentation.pptx
@@ -13,6 +13,13 @@
     <p:sldId id="261" r:id="rId7"/>
     <p:sldId id="262" r:id="rId8"/>
     <p:sldId id="263" r:id="rId9"/>
+    <p:sldId id="264" r:id="rId10"/>
+    <p:sldId id="266" r:id="rId11"/>
+    <p:sldId id="265" r:id="rId12"/>
+    <p:sldId id="267" r:id="rId13"/>
+    <p:sldId id="268" r:id="rId14"/>
+    <p:sldId id="269" r:id="rId15"/>
+    <p:sldId id="270" r:id="rId16"/>
   </p:sldIdLst>
   <p:sldSz cx="9144000" cy="6858000" type="screen4x3"/>
   <p:notesSz cx="6858000" cy="9144000"/>
@@ -112,6 +119,2386 @@
     </a:lvl9pPr>
   </p:defaultTextStyle>
 </p:presentation>
+</file>
+
+<file path=ppt/diagrams/colors1.xml><?xml version="1.0" encoding="utf-8"?>
+<dgm:colorsDef xmlns:dgm="http://schemas.openxmlformats.org/drawingml/2006/diagram" xmlns:a="http://schemas.openxmlformats.org/drawingml/2006/main" uniqueId="urn:microsoft.com/office/officeart/2005/8/colors/accent1_2">
+  <dgm:title val=""/>
+  <dgm:desc val=""/>
+  <dgm:catLst>
+    <dgm:cat type="accent1" pri="11200"/>
+  </dgm:catLst>
+  <dgm:styleLbl name="node0">
+    <dgm:fillClrLst meth="repeat">
+      <a:schemeClr val="accent1"/>
+    </dgm:fillClrLst>
+    <dgm:linClrLst meth="repeat">
+      <a:schemeClr val="lt1"/>
+    </dgm:linClrLst>
+    <dgm:effectClrLst/>
+    <dgm:txLinClrLst/>
+    <dgm:txFillClrLst/>
+    <dgm:txEffectClrLst/>
+  </dgm:styleLbl>
+  <dgm:styleLbl name="alignNode1">
+    <dgm:fillClrLst meth="repeat">
+      <a:schemeClr val="accent1"/>
+    </dgm:fillClrLst>
+    <dgm:linClrLst meth="repeat">
+      <a:schemeClr val="accent1"/>
+    </dgm:linClrLst>
+    <dgm:effectClrLst/>
+    <dgm:txLinClrLst/>
+    <dgm:txFillClrLst/>
+    <dgm:txEffectClrLst/>
+  </dgm:styleLbl>
+  <dgm:styleLbl name="node1">
+    <dgm:fillClrLst meth="repeat">
+      <a:schemeClr val="accent1"/>
+    </dgm:fillClrLst>
+    <dgm:linClrLst meth="repeat">
+      <a:schemeClr val="lt1"/>
+    </dgm:linClrLst>
+    <dgm:effectClrLst/>
+    <dgm:txLinClrLst/>
+    <dgm:txFillClrLst/>
+    <dgm:txEffectClrLst/>
+  </dgm:styleLbl>
+  <dgm:styleLbl name="lnNode1">
+    <dgm:fillClrLst meth="repeat">
+      <a:schemeClr val="accent1"/>
+    </dgm:fillClrLst>
+    <dgm:linClrLst meth="repeat">
+      <a:schemeClr val="lt1"/>
+    </dgm:linClrLst>
+    <dgm:effectClrLst/>
+    <dgm:txLinClrLst/>
+    <dgm:txFillClrLst/>
+    <dgm:txEffectClrLst/>
+  </dgm:styleLbl>
+  <dgm:styleLbl name="vennNode1">
+    <dgm:fillClrLst meth="repeat">
+      <a:schemeClr val="accent1">
+        <a:alpha val="50000"/>
+      </a:schemeClr>
+    </dgm:fillClrLst>
+    <dgm:linClrLst meth="repeat">
+      <a:schemeClr val="lt1"/>
+    </dgm:linClrLst>
+    <dgm:effectClrLst/>
+    <dgm:txLinClrLst/>
+    <dgm:txFillClrLst/>
+    <dgm:txEffectClrLst/>
+  </dgm:styleLbl>
+  <dgm:styleLbl name="node2">
+    <dgm:fillClrLst meth="repeat">
+      <a:schemeClr val="accent1"/>
+    </dgm:fillClrLst>
+    <dgm:linClrLst meth="repeat">
+      <a:schemeClr val="lt1"/>
+    </dgm:linClrLst>
+    <dgm:effectClrLst/>
+    <dgm:txLinClrLst/>
+    <dgm:txFillClrLst/>
+    <dgm:txEffectClrLst/>
+  </dgm:styleLbl>
+  <dgm:styleLbl name="node3">
+    <dgm:fillClrLst meth="repeat">
+      <a:schemeClr val="accent1"/>
+    </dgm:fillClrLst>
+    <dgm:linClrLst meth="repeat">
+      <a:schemeClr val="lt1"/>
+    </dgm:linClrLst>
+    <dgm:effectClrLst/>
+    <dgm:txLinClrLst/>
+    <dgm:txFillClrLst/>
+    <dgm:txEffectClrLst/>
+  </dgm:styleLbl>
+  <dgm:styleLbl name="node4">
+    <dgm:fillClrLst meth="repeat">
+      <a:schemeClr val="accent1"/>
+    </dgm:fillClrLst>
+    <dgm:linClrLst meth="repeat">
+      <a:schemeClr val="lt1"/>
+    </dgm:linClrLst>
+    <dgm:effectClrLst/>
+    <dgm:txLinClrLst/>
+    <dgm:txFillClrLst/>
+    <dgm:txEffectClrLst/>
+  </dgm:styleLbl>
+  <dgm:styleLbl name="fgImgPlace1">
+    <dgm:fillClrLst meth="repeat">
+      <a:schemeClr val="accent1">
+        <a:tint val="50000"/>
+      </a:schemeClr>
+    </dgm:fillClrLst>
+    <dgm:linClrLst meth="repeat">
+      <a:schemeClr val="lt1"/>
+    </dgm:linClrLst>
+    <dgm:effectClrLst/>
+    <dgm:txLinClrLst/>
+    <dgm:txFillClrLst meth="repeat">
+      <a:schemeClr val="lt1"/>
+    </dgm:txFillClrLst>
+    <dgm:txEffectClrLst/>
+  </dgm:styleLbl>
+  <dgm:styleLbl name="alignImgPlace1">
+    <dgm:fillClrLst meth="repeat">
+      <a:schemeClr val="accent1">
+        <a:tint val="50000"/>
+      </a:schemeClr>
+    </dgm:fillClrLst>
+    <dgm:linClrLst meth="repeat">
+      <a:schemeClr val="lt1"/>
+    </dgm:linClrLst>
+    <dgm:effectClrLst/>
+    <dgm:txLinClrLst/>
+    <dgm:txFillClrLst meth="repeat">
+      <a:schemeClr val="lt1"/>
+    </dgm:txFillClrLst>
+    <dgm:txEffectClrLst/>
+  </dgm:styleLbl>
+  <dgm:styleLbl name="bgImgPlace1">
+    <dgm:fillClrLst meth="repeat">
+      <a:schemeClr val="accent1">
+        <a:tint val="50000"/>
+      </a:schemeClr>
+    </dgm:fillClrLst>
+    <dgm:linClrLst meth="repeat">
+      <a:schemeClr val="lt1"/>
+    </dgm:linClrLst>
+    <dgm:effectClrLst/>
+    <dgm:txLinClrLst/>
+    <dgm:txFillClrLst meth="repeat">
+      <a:schemeClr val="lt1"/>
+    </dgm:txFillClrLst>
+    <dgm:txEffectClrLst/>
+  </dgm:styleLbl>
+  <dgm:styleLbl name="sibTrans2D1">
+    <dgm:fillClrLst meth="repeat">
+      <a:schemeClr val="accent1">
+        <a:tint val="60000"/>
+      </a:schemeClr>
+    </dgm:fillClrLst>
+    <dgm:linClrLst meth="repeat">
+      <a:schemeClr val="accent1">
+        <a:tint val="60000"/>
+      </a:schemeClr>
+    </dgm:linClrLst>
+    <dgm:effectClrLst/>
+    <dgm:txLinClrLst/>
+    <dgm:txFillClrLst/>
+    <dgm:txEffectClrLst/>
+  </dgm:styleLbl>
+  <dgm:styleLbl name="fgSibTrans2D1">
+    <dgm:fillClrLst meth="repeat">
+      <a:schemeClr val="accent1">
+        <a:tint val="60000"/>
+      </a:schemeClr>
+    </dgm:fillClrLst>
+    <dgm:linClrLst meth="repeat">
+      <a:schemeClr val="accent1">
+        <a:tint val="60000"/>
+      </a:schemeClr>
+    </dgm:linClrLst>
+    <dgm:effectClrLst/>
+    <dgm:txLinClrLst/>
+    <dgm:txFillClrLst/>
+    <dgm:txEffectClrLst/>
+  </dgm:styleLbl>
+  <dgm:styleLbl name="bgSibTrans2D1">
+    <dgm:fillClrLst meth="repeat">
+      <a:schemeClr val="accent1">
+        <a:tint val="60000"/>
+      </a:schemeClr>
+    </dgm:fillClrLst>
+    <dgm:linClrLst meth="repeat">
+      <a:schemeClr val="accent1">
+        <a:tint val="60000"/>
+      </a:schemeClr>
+    </dgm:linClrLst>
+    <dgm:effectClrLst/>
+    <dgm:txLinClrLst/>
+    <dgm:txFillClrLst/>
+    <dgm:txEffectClrLst/>
+  </dgm:styleLbl>
+  <dgm:styleLbl name="sibTrans1D1">
+    <dgm:fillClrLst meth="repeat">
+      <a:schemeClr val="accent1"/>
+    </dgm:fillClrLst>
+    <dgm:linClrLst meth="repeat">
+      <a:schemeClr val="accent1"/>
+    </dgm:linClrLst>
+    <dgm:effectClrLst/>
+    <dgm:txLinClrLst/>
+    <dgm:txFillClrLst meth="repeat">
+      <a:schemeClr val="tx1"/>
+    </dgm:txFillClrLst>
+    <dgm:txEffectClrLst/>
+  </dgm:styleLbl>
+  <dgm:styleLbl name="callout">
+    <dgm:fillClrLst meth="repeat">
+      <a:schemeClr val="accent1"/>
+    </dgm:fillClrLst>
+    <dgm:linClrLst meth="repeat">
+      <a:schemeClr val="accent1">
+        <a:tint val="50000"/>
+      </a:schemeClr>
+    </dgm:linClrLst>
+    <dgm:effectClrLst/>
+    <dgm:txLinClrLst/>
+    <dgm:txFillClrLst meth="repeat">
+      <a:schemeClr val="tx1"/>
+    </dgm:txFillClrLst>
+    <dgm:txEffectClrLst/>
+  </dgm:styleLbl>
+  <dgm:styleLbl name="asst0">
+    <dgm:fillClrLst meth="repeat">
+      <a:schemeClr val="accent1"/>
+    </dgm:fillClrLst>
+    <dgm:linClrLst meth="repeat">
+      <a:schemeClr val="lt1"/>
+    </dgm:linClrLst>
+    <dgm:effectClrLst/>
+    <dgm:txLinClrLst/>
+    <dgm:txFillClrLst/>
+    <dgm:txEffectClrLst/>
+  </dgm:styleLbl>
+  <dgm:styleLbl name="asst1">
+    <dgm:fillClrLst meth="repeat">
+      <a:schemeClr val="accent1"/>
+    </dgm:fillClrLst>
+    <dgm:linClrLst meth="repeat">
+      <a:schemeClr val="lt1"/>
+    </dgm:linClrLst>
+    <dgm:effectClrLst/>
+    <dgm:txLinClrLst/>
+    <dgm:txFillClrLst/>
+    <dgm:txEffectClrLst/>
+  </dgm:styleLbl>
+  <dgm:styleLbl name="asst2">
+    <dgm:fillClrLst meth="repeat">
+      <a:schemeClr val="accent1"/>
+    </dgm:fillClrLst>
+    <dgm:linClrLst meth="repeat">
+      <a:schemeClr val="lt1"/>
+    </dgm:linClrLst>
+    <dgm:effectClrLst/>
+    <dgm:txLinClrLst/>
+    <dgm:txFillClrLst/>
+    <dgm:txEffectClrLst/>
+  </dgm:styleLbl>
+  <dgm:styleLbl name="asst3">
+    <dgm:fillClrLst meth="repeat">
+      <a:schemeClr val="accent1"/>
+    </dgm:fillClrLst>
+    <dgm:linClrLst meth="repeat">
+      <a:schemeClr val="lt1"/>
+    </dgm:linClrLst>
+    <dgm:effectClrLst/>
+    <dgm:txLinClrLst/>
+    <dgm:txFillClrLst/>
+    <dgm:txEffectClrLst/>
+  </dgm:styleLbl>
+  <dgm:styleLbl name="asst4">
+    <dgm:fillClrLst meth="repeat">
+      <a:schemeClr val="accent1"/>
+    </dgm:fillClrLst>
+    <dgm:linClrLst meth="repeat">
+      <a:schemeClr val="lt1"/>
+    </dgm:linClrLst>
+    <dgm:effectClrLst/>
+    <dgm:txLinClrLst/>
+    <dgm:txFillClrLst/>
+    <dgm:txEffectClrLst/>
+  </dgm:styleLbl>
+  <dgm:styleLbl name="parChTrans2D1">
+    <dgm:fillClrLst meth="repeat">
+      <a:schemeClr val="accent1">
+        <a:tint val="60000"/>
+      </a:schemeClr>
+    </dgm:fillClrLst>
+    <dgm:linClrLst meth="repeat">
+      <a:schemeClr val="accent1">
+        <a:tint val="60000"/>
+      </a:schemeClr>
+    </dgm:linClrLst>
+    <dgm:effectClrLst/>
+    <dgm:txLinClrLst/>
+    <dgm:txFillClrLst meth="repeat">
+      <a:schemeClr val="lt1"/>
+    </dgm:txFillClrLst>
+    <dgm:txEffectClrLst/>
+  </dgm:styleLbl>
+  <dgm:styleLbl name="parChTrans2D2">
+    <dgm:fillClrLst meth="repeat">
+      <a:schemeClr val="accent1"/>
+    </dgm:fillClrLst>
+    <dgm:linClrLst meth="repeat">
+      <a:schemeClr val="accent1"/>
+    </dgm:linClrLst>
+    <dgm:effectClrLst/>
+    <dgm:txLinClrLst/>
+    <dgm:txFillClrLst meth="repeat">
+      <a:schemeClr val="lt1"/>
+    </dgm:txFillClrLst>
+    <dgm:txEffectClrLst/>
+  </dgm:styleLbl>
+  <dgm:styleLbl name="parChTrans2D3">
+    <dgm:fillClrLst meth="repeat">
+      <a:schemeClr val="accent1"/>
+    </dgm:fillClrLst>
+    <dgm:linClrLst meth="repeat">
+      <a:schemeClr val="accent1"/>
+    </dgm:linClrLst>
+    <dgm:effectClrLst/>
+    <dgm:txLinClrLst/>
+    <dgm:txFillClrLst meth="repeat">
+      <a:schemeClr val="lt1"/>
+    </dgm:txFillClrLst>
+    <dgm:txEffectClrLst/>
+  </dgm:styleLbl>
+  <dgm:styleLbl name="parChTrans2D4">
+    <dgm:fillClrLst meth="repeat">
+      <a:schemeClr val="accent1"/>
+    </dgm:fillClrLst>
+    <dgm:linClrLst meth="repeat">
+      <a:schemeClr val="accent1"/>
+    </dgm:linClrLst>
+    <dgm:effectClrLst/>
+    <dgm:txLinClrLst/>
+    <dgm:txFillClrLst meth="repeat">
+      <a:schemeClr val="lt1"/>
+    </dgm:txFillClrLst>
+    <dgm:txEffectClrLst/>
+  </dgm:styleLbl>
+  <dgm:styleLbl name="parChTrans1D1">
+    <dgm:fillClrLst meth="repeat">
+      <a:schemeClr val="accent1"/>
+    </dgm:fillClrLst>
+    <dgm:linClrLst meth="repeat">
+      <a:schemeClr val="accent1">
+        <a:shade val="60000"/>
+      </a:schemeClr>
+    </dgm:linClrLst>
+    <dgm:effectClrLst/>
+    <dgm:txLinClrLst/>
+    <dgm:txFillClrLst meth="repeat">
+      <a:schemeClr val="tx1"/>
+    </dgm:txFillClrLst>
+    <dgm:txEffectClrLst/>
+  </dgm:styleLbl>
+  <dgm:styleLbl name="parChTrans1D2">
+    <dgm:fillClrLst meth="repeat">
+      <a:schemeClr val="accent1"/>
+    </dgm:fillClrLst>
+    <dgm:linClrLst meth="repeat">
+      <a:schemeClr val="accent1">
+        <a:shade val="60000"/>
+      </a:schemeClr>
+    </dgm:linClrLst>
+    <dgm:effectClrLst/>
+    <dgm:txLinClrLst/>
+    <dgm:txFillClrLst meth="repeat">
+      <a:schemeClr val="tx1"/>
+    </dgm:txFillClrLst>
+    <dgm:txEffectClrLst/>
+  </dgm:styleLbl>
+  <dgm:styleLbl name="parChTrans1D3">
+    <dgm:fillClrLst meth="repeat">
+      <a:schemeClr val="accent1"/>
+    </dgm:fillClrLst>
+    <dgm:linClrLst meth="repeat">
+      <a:schemeClr val="accent1">
+        <a:shade val="80000"/>
+      </a:schemeClr>
+    </dgm:linClrLst>
+    <dgm:effectClrLst/>
+    <dgm:txLinClrLst/>
+    <dgm:txFillClrLst meth="repeat">
+      <a:schemeClr val="tx1"/>
+    </dgm:txFillClrLst>
+    <dgm:txEffectClrLst/>
+  </dgm:styleLbl>
+  <dgm:styleLbl name="parChTrans1D4">
+    <dgm:fillClrLst meth="repeat">
+      <a:schemeClr val="accent1"/>
+    </dgm:fillClrLst>
+    <dgm:linClrLst meth="repeat">
+      <a:schemeClr val="accent1">
+        <a:shade val="80000"/>
+      </a:schemeClr>
+    </dgm:linClrLst>
+    <dgm:effectClrLst/>
+    <dgm:txLinClrLst/>
+    <dgm:txFillClrLst meth="repeat">
+      <a:schemeClr val="tx1"/>
+    </dgm:txFillClrLst>
+    <dgm:txEffectClrLst/>
+  </dgm:styleLbl>
+  <dgm:styleLbl name="fgAcc1">
+    <dgm:fillClrLst meth="repeat">
+      <a:schemeClr val="lt1">
+        <a:alpha val="90000"/>
+      </a:schemeClr>
+    </dgm:fillClrLst>
+    <dgm:linClrLst meth="repeat">
+      <a:schemeClr val="accent1"/>
+    </dgm:linClrLst>
+    <dgm:effectClrLst/>
+    <dgm:txLinClrLst/>
+    <dgm:txFillClrLst meth="repeat">
+      <a:schemeClr val="dk1"/>
+    </dgm:txFillClrLst>
+    <dgm:txEffectClrLst/>
+  </dgm:styleLbl>
+  <dgm:styleLbl name="conFgAcc1">
+    <dgm:fillClrLst meth="repeat">
+      <a:schemeClr val="lt1">
+        <a:alpha val="90000"/>
+      </a:schemeClr>
+    </dgm:fillClrLst>
+    <dgm:linClrLst meth="repeat">
+      <a:schemeClr val="accent1"/>
+    </dgm:linClrLst>
+    <dgm:effectClrLst/>
+    <dgm:txLinClrLst/>
+    <dgm:txFillClrLst meth="repeat">
+      <a:schemeClr val="dk1"/>
+    </dgm:txFillClrLst>
+    <dgm:txEffectClrLst/>
+  </dgm:styleLbl>
+  <dgm:styleLbl name="alignAcc1">
+    <dgm:fillClrLst meth="repeat">
+      <a:schemeClr val="lt1">
+        <a:alpha val="90000"/>
+      </a:schemeClr>
+    </dgm:fillClrLst>
+    <dgm:linClrLst meth="repeat">
+      <a:schemeClr val="accent1"/>
+    </dgm:linClrLst>
+    <dgm:effectClrLst/>
+    <dgm:txLinClrLst/>
+    <dgm:txFillClrLst meth="repeat">
+      <a:schemeClr val="dk1"/>
+    </dgm:txFillClrLst>
+    <dgm:txEffectClrLst/>
+  </dgm:styleLbl>
+  <dgm:styleLbl name="trAlignAcc1">
+    <dgm:fillClrLst meth="repeat">
+      <a:schemeClr val="lt1">
+        <a:alpha val="40000"/>
+      </a:schemeClr>
+    </dgm:fillClrLst>
+    <dgm:linClrLst meth="repeat">
+      <a:schemeClr val="accent1"/>
+    </dgm:linClrLst>
+    <dgm:effectClrLst/>
+    <dgm:txLinClrLst/>
+    <dgm:txFillClrLst meth="repeat">
+      <a:schemeClr val="dk1"/>
+    </dgm:txFillClrLst>
+    <dgm:txEffectClrLst/>
+  </dgm:styleLbl>
+  <dgm:styleLbl name="bgAcc1">
+    <dgm:fillClrLst meth="repeat">
+      <a:schemeClr val="lt1">
+        <a:alpha val="90000"/>
+      </a:schemeClr>
+    </dgm:fillClrLst>
+    <dgm:linClrLst meth="repeat">
+      <a:schemeClr val="accent1"/>
+    </dgm:linClrLst>
+    <dgm:effectClrLst/>
+    <dgm:txLinClrLst/>
+    <dgm:txFillClrLst meth="repeat">
+      <a:schemeClr val="dk1"/>
+    </dgm:txFillClrLst>
+    <dgm:txEffectClrLst/>
+  </dgm:styleLbl>
+  <dgm:styleLbl name="solidFgAcc1">
+    <dgm:fillClrLst meth="repeat">
+      <a:schemeClr val="lt1"/>
+    </dgm:fillClrLst>
+    <dgm:linClrLst meth="repeat">
+      <a:schemeClr val="accent1"/>
+    </dgm:linClrLst>
+    <dgm:effectClrLst/>
+    <dgm:txLinClrLst/>
+    <dgm:txFillClrLst meth="repeat">
+      <a:schemeClr val="dk1"/>
+    </dgm:txFillClrLst>
+    <dgm:txEffectClrLst/>
+  </dgm:styleLbl>
+  <dgm:styleLbl name="solidAlignAcc1">
+    <dgm:fillClrLst meth="repeat">
+      <a:schemeClr val="lt1"/>
+    </dgm:fillClrLst>
+    <dgm:linClrLst meth="repeat">
+      <a:schemeClr val="accent1"/>
+    </dgm:linClrLst>
+    <dgm:effectClrLst/>
+    <dgm:txLinClrLst/>
+    <dgm:txFillClrLst meth="repeat">
+      <a:schemeClr val="dk1"/>
+    </dgm:txFillClrLst>
+    <dgm:txEffectClrLst/>
+  </dgm:styleLbl>
+  <dgm:styleLbl name="solidBgAcc1">
+    <dgm:fillClrLst meth="repeat">
+      <a:schemeClr val="lt1"/>
+    </dgm:fillClrLst>
+    <dgm:linClrLst meth="repeat">
+      <a:schemeClr val="accent1"/>
+    </dgm:linClrLst>
+    <dgm:effectClrLst/>
+    <dgm:txLinClrLst/>
+    <dgm:txFillClrLst meth="repeat">
+      <a:schemeClr val="dk1"/>
+    </dgm:txFillClrLst>
+    <dgm:txEffectClrLst/>
+  </dgm:styleLbl>
+  <dgm:styleLbl name="fgAccFollowNode1">
+    <dgm:fillClrLst meth="repeat">
+      <a:schemeClr val="accent1">
+        <a:alpha val="90000"/>
+        <a:tint val="40000"/>
+      </a:schemeClr>
+    </dgm:fillClrLst>
+    <dgm:linClrLst meth="repeat">
+      <a:schemeClr val="accent1">
+        <a:alpha val="90000"/>
+        <a:tint val="40000"/>
+      </a:schemeClr>
+    </dgm:linClrLst>
+    <dgm:effectClrLst/>
+    <dgm:txLinClrLst/>
+    <dgm:txFillClrLst meth="repeat">
+      <a:schemeClr val="dk1"/>
+    </dgm:txFillClrLst>
+    <dgm:txEffectClrLst/>
+  </dgm:styleLbl>
+  <dgm:styleLbl name="alignAccFollowNode1">
+    <dgm:fillClrLst meth="repeat">
+      <a:schemeClr val="accent1">
+        <a:alpha val="90000"/>
+        <a:tint val="40000"/>
+      </a:schemeClr>
+    </dgm:fillClrLst>
+    <dgm:linClrLst meth="repeat">
+      <a:schemeClr val="accent1">
+        <a:alpha val="90000"/>
+        <a:tint val="40000"/>
+      </a:schemeClr>
+    </dgm:linClrLst>
+    <dgm:effectClrLst/>
+    <dgm:txLinClrLst/>
+    <dgm:txFillClrLst meth="repeat">
+      <a:schemeClr val="dk1"/>
+    </dgm:txFillClrLst>
+    <dgm:txEffectClrLst/>
+  </dgm:styleLbl>
+  <dgm:styleLbl name="bgAccFollowNode1">
+    <dgm:fillClrLst meth="repeat">
+      <a:schemeClr val="accent1">
+        <a:alpha val="90000"/>
+        <a:tint val="40000"/>
+      </a:schemeClr>
+    </dgm:fillClrLst>
+    <dgm:linClrLst meth="repeat">
+      <a:schemeClr val="accent1">
+        <a:alpha val="90000"/>
+        <a:tint val="40000"/>
+      </a:schemeClr>
+    </dgm:linClrLst>
+    <dgm:effectClrLst/>
+    <dgm:txLinClrLst/>
+    <dgm:txFillClrLst meth="repeat">
+      <a:schemeClr val="dk1"/>
+    </dgm:txFillClrLst>
+    <dgm:txEffectClrLst/>
+  </dgm:styleLbl>
+  <dgm:styleLbl name="fgAcc0">
+    <dgm:fillClrLst meth="repeat">
+      <a:schemeClr val="lt1">
+        <a:alpha val="90000"/>
+      </a:schemeClr>
+    </dgm:fillClrLst>
+    <dgm:linClrLst meth="repeat">
+      <a:schemeClr val="accent1"/>
+    </dgm:linClrLst>
+    <dgm:effectClrLst/>
+    <dgm:txLinClrLst/>
+    <dgm:txFillClrLst meth="repeat">
+      <a:schemeClr val="dk1"/>
+    </dgm:txFillClrLst>
+    <dgm:txEffectClrLst/>
+  </dgm:styleLbl>
+  <dgm:styleLbl name="fgAcc2">
+    <dgm:fillClrLst meth="repeat">
+      <a:schemeClr val="lt1">
+        <a:alpha val="90000"/>
+      </a:schemeClr>
+    </dgm:fillClrLst>
+    <dgm:linClrLst meth="repeat">
+      <a:schemeClr val="accent1"/>
+    </dgm:linClrLst>
+    <dgm:effectClrLst/>
+    <dgm:txLinClrLst/>
+    <dgm:txFillClrLst meth="repeat">
+      <a:schemeClr val="dk1"/>
+    </dgm:txFillClrLst>
+    <dgm:txEffectClrLst/>
+  </dgm:styleLbl>
+  <dgm:styleLbl name="fgAcc3">
+    <dgm:fillClrLst meth="repeat">
+      <a:schemeClr val="lt1">
+        <a:alpha val="90000"/>
+      </a:schemeClr>
+    </dgm:fillClrLst>
+    <dgm:linClrLst meth="repeat">
+      <a:schemeClr val="accent1"/>
+    </dgm:linClrLst>
+    <dgm:effectClrLst/>
+    <dgm:txLinClrLst/>
+    <dgm:txFillClrLst meth="repeat">
+      <a:schemeClr val="dk1"/>
+    </dgm:txFillClrLst>
+    <dgm:txEffectClrLst/>
+  </dgm:styleLbl>
+  <dgm:styleLbl name="fgAcc4">
+    <dgm:fillClrLst meth="repeat">
+      <a:schemeClr val="lt1">
+        <a:alpha val="90000"/>
+      </a:schemeClr>
+    </dgm:fillClrLst>
+    <dgm:linClrLst meth="repeat">
+      <a:schemeClr val="accent1"/>
+    </dgm:linClrLst>
+    <dgm:effectClrLst/>
+    <dgm:txLinClrLst/>
+    <dgm:txFillClrLst meth="repeat">
+      <a:schemeClr val="dk1"/>
+    </dgm:txFillClrLst>
+    <dgm:txEffectClrLst/>
+  </dgm:styleLbl>
+  <dgm:styleLbl name="bgShp">
+    <dgm:fillClrLst meth="repeat">
+      <a:schemeClr val="accent1">
+        <a:tint val="40000"/>
+      </a:schemeClr>
+    </dgm:fillClrLst>
+    <dgm:linClrLst meth="repeat">
+      <a:schemeClr val="accent1"/>
+    </dgm:linClrLst>
+    <dgm:effectClrLst/>
+    <dgm:txLinClrLst/>
+    <dgm:txFillClrLst meth="repeat">
+      <a:schemeClr val="dk1"/>
+    </dgm:txFillClrLst>
+    <dgm:txEffectClrLst/>
+  </dgm:styleLbl>
+  <dgm:styleLbl name="dkBgShp">
+    <dgm:fillClrLst meth="repeat">
+      <a:schemeClr val="accent1">
+        <a:shade val="80000"/>
+      </a:schemeClr>
+    </dgm:fillClrLst>
+    <dgm:linClrLst meth="repeat">
+      <a:schemeClr val="accent1"/>
+    </dgm:linClrLst>
+    <dgm:effectClrLst/>
+    <dgm:txLinClrLst/>
+    <dgm:txFillClrLst meth="repeat">
+      <a:schemeClr val="lt1"/>
+    </dgm:txFillClrLst>
+    <dgm:txEffectClrLst/>
+  </dgm:styleLbl>
+  <dgm:styleLbl name="trBgShp">
+    <dgm:fillClrLst meth="repeat">
+      <a:schemeClr val="accent1">
+        <a:tint val="50000"/>
+        <a:alpha val="40000"/>
+      </a:schemeClr>
+    </dgm:fillClrLst>
+    <dgm:linClrLst meth="repeat">
+      <a:schemeClr val="accent1"/>
+    </dgm:linClrLst>
+    <dgm:effectClrLst/>
+    <dgm:txLinClrLst/>
+    <dgm:txFillClrLst meth="repeat">
+      <a:schemeClr val="lt1"/>
+    </dgm:txFillClrLst>
+    <dgm:txEffectClrLst/>
+  </dgm:styleLbl>
+  <dgm:styleLbl name="fgShp">
+    <dgm:fillClrLst meth="repeat">
+      <a:schemeClr val="accent1">
+        <a:tint val="60000"/>
+      </a:schemeClr>
+    </dgm:fillClrLst>
+    <dgm:linClrLst meth="repeat">
+      <a:schemeClr val="lt1"/>
+    </dgm:linClrLst>
+    <dgm:effectClrLst/>
+    <dgm:txLinClrLst/>
+    <dgm:txFillClrLst meth="repeat">
+      <a:schemeClr val="dk1"/>
+    </dgm:txFillClrLst>
+    <dgm:txEffectClrLst/>
+  </dgm:styleLbl>
+  <dgm:styleLbl name="revTx">
+    <dgm:fillClrLst meth="repeat">
+      <a:schemeClr val="lt1">
+        <a:alpha val="0"/>
+      </a:schemeClr>
+    </dgm:fillClrLst>
+    <dgm:linClrLst meth="repeat">
+      <a:schemeClr val="dk1">
+        <a:alpha val="0"/>
+      </a:schemeClr>
+    </dgm:linClrLst>
+    <dgm:effectClrLst/>
+    <dgm:txLinClrLst/>
+    <dgm:txFillClrLst meth="repeat">
+      <a:schemeClr val="tx1"/>
+    </dgm:txFillClrLst>
+    <dgm:txEffectClrLst/>
+  </dgm:styleLbl>
+</dgm:colorsDef>
+</file>
+
+<file path=ppt/diagrams/data1.xml><?xml version="1.0" encoding="utf-8"?>
+<dgm:dataModel xmlns:dgm="http://schemas.openxmlformats.org/drawingml/2006/diagram" xmlns:a="http://schemas.openxmlformats.org/drawingml/2006/main">
+  <dgm:ptLst>
+    <dgm:pt modelId="{DB590BF0-D21B-9149-8E09-205B52BE8E4E}" type="doc">
+      <dgm:prSet loTypeId="urn:microsoft.com/office/officeart/2005/8/layout/hProcess3" loCatId="" qsTypeId="urn:microsoft.com/office/officeart/2005/8/quickstyle/simple4" qsCatId="simple" csTypeId="urn:microsoft.com/office/officeart/2005/8/colors/accent1_2" csCatId="accent1" phldr="1"/>
+      <dgm:spPr/>
+    </dgm:pt>
+    <dgm:pt modelId="{EB99D1C3-63E2-7C43-9F25-9BFCF528FE5B}">
+      <dgm:prSet phldrT="[Text]"/>
+      <dgm:spPr/>
+      <dgm:t>
+        <a:bodyPr/>
+        <a:lstStyle/>
+        <a:p>
+          <a:r>
+            <a:rPr lang="en-US" dirty="0" smtClean="0"/>
+            <a:t>Attacks</a:t>
+          </a:r>
+          <a:endParaRPr lang="en-US" dirty="0"/>
+        </a:p>
+      </dgm:t>
+    </dgm:pt>
+    <dgm:pt modelId="{B374E834-4FF1-B24F-B8E5-972DFE3B300A}" type="parTrans" cxnId="{2A7E969F-DFC2-A944-B40E-4D051ED69784}">
+      <dgm:prSet/>
+      <dgm:spPr/>
+      <dgm:t>
+        <a:bodyPr/>
+        <a:lstStyle/>
+        <a:p>
+          <a:endParaRPr lang="en-US"/>
+        </a:p>
+      </dgm:t>
+    </dgm:pt>
+    <dgm:pt modelId="{DD59DD0B-D98A-1A4C-A0AF-29F2156299A1}" type="sibTrans" cxnId="{2A7E969F-DFC2-A944-B40E-4D051ED69784}">
+      <dgm:prSet/>
+      <dgm:spPr/>
+      <dgm:t>
+        <a:bodyPr/>
+        <a:lstStyle/>
+        <a:p>
+          <a:endParaRPr lang="en-US"/>
+        </a:p>
+      </dgm:t>
+    </dgm:pt>
+    <dgm:pt modelId="{AFD9FEE1-37EA-434E-A51C-4A90FC3C4A71}" type="pres">
+      <dgm:prSet presAssocID="{DB590BF0-D21B-9149-8E09-205B52BE8E4E}" presName="Name0" presStyleCnt="0">
+        <dgm:presLayoutVars>
+          <dgm:dir/>
+          <dgm:animLvl val="lvl"/>
+          <dgm:resizeHandles val="exact"/>
+        </dgm:presLayoutVars>
+      </dgm:prSet>
+      <dgm:spPr/>
+    </dgm:pt>
+    <dgm:pt modelId="{EECEE826-8238-AF4C-8D6D-006FA6A2C58E}" type="pres">
+      <dgm:prSet presAssocID="{DB590BF0-D21B-9149-8E09-205B52BE8E4E}" presName="dummy" presStyleCnt="0"/>
+      <dgm:spPr/>
+    </dgm:pt>
+    <dgm:pt modelId="{2C7D421A-8104-D442-AEB8-287915966386}" type="pres">
+      <dgm:prSet presAssocID="{DB590BF0-D21B-9149-8E09-205B52BE8E4E}" presName="linH" presStyleCnt="0"/>
+      <dgm:spPr/>
+    </dgm:pt>
+    <dgm:pt modelId="{94FB5313-19E6-0544-81EE-A89A71E39015}" type="pres">
+      <dgm:prSet presAssocID="{DB590BF0-D21B-9149-8E09-205B52BE8E4E}" presName="padding1" presStyleCnt="0"/>
+      <dgm:spPr/>
+    </dgm:pt>
+    <dgm:pt modelId="{056D337A-9F3F-C241-8556-FA8B2C5CE612}" type="pres">
+      <dgm:prSet presAssocID="{EB99D1C3-63E2-7C43-9F25-9BFCF528FE5B}" presName="linV" presStyleCnt="0"/>
+      <dgm:spPr/>
+    </dgm:pt>
+    <dgm:pt modelId="{213859C7-E760-444A-AE01-04E52E3066FE}" type="pres">
+      <dgm:prSet presAssocID="{EB99D1C3-63E2-7C43-9F25-9BFCF528FE5B}" presName="spVertical1" presStyleCnt="0"/>
+      <dgm:spPr/>
+    </dgm:pt>
+    <dgm:pt modelId="{D71A8078-1C10-4244-B617-288F3C20C0C0}" type="pres">
+      <dgm:prSet presAssocID="{EB99D1C3-63E2-7C43-9F25-9BFCF528FE5B}" presName="parTx" presStyleLbl="revTx" presStyleIdx="0" presStyleCnt="1">
+        <dgm:presLayoutVars>
+          <dgm:chMax val="0"/>
+          <dgm:chPref val="0"/>
+          <dgm:bulletEnabled val="1"/>
+        </dgm:presLayoutVars>
+      </dgm:prSet>
+      <dgm:spPr/>
+      <dgm:t>
+        <a:bodyPr/>
+        <a:lstStyle/>
+        <a:p>
+          <a:endParaRPr lang="en-US"/>
+        </a:p>
+      </dgm:t>
+    </dgm:pt>
+    <dgm:pt modelId="{12ABB8B5-9600-184C-81EC-0E005D8F6B94}" type="pres">
+      <dgm:prSet presAssocID="{EB99D1C3-63E2-7C43-9F25-9BFCF528FE5B}" presName="spVertical2" presStyleCnt="0"/>
+      <dgm:spPr/>
+    </dgm:pt>
+    <dgm:pt modelId="{47C2A0EF-FC37-5141-BB54-6A23E834E8E9}" type="pres">
+      <dgm:prSet presAssocID="{EB99D1C3-63E2-7C43-9F25-9BFCF528FE5B}" presName="spVertical3" presStyleCnt="0"/>
+      <dgm:spPr/>
+    </dgm:pt>
+    <dgm:pt modelId="{2EB95F66-77CD-2248-8700-6A11DD16BD22}" type="pres">
+      <dgm:prSet presAssocID="{DB590BF0-D21B-9149-8E09-205B52BE8E4E}" presName="padding2" presStyleCnt="0"/>
+      <dgm:spPr/>
+    </dgm:pt>
+    <dgm:pt modelId="{B38D2057-998D-2247-81B2-52389C6847D6}" type="pres">
+      <dgm:prSet presAssocID="{DB590BF0-D21B-9149-8E09-205B52BE8E4E}" presName="negArrow" presStyleCnt="0"/>
+      <dgm:spPr/>
+    </dgm:pt>
+    <dgm:pt modelId="{BBC9E2F5-4BC5-824E-871F-4FF433E9A7EB}" type="pres">
+      <dgm:prSet presAssocID="{DB590BF0-D21B-9149-8E09-205B52BE8E4E}" presName="backgroundArrow" presStyleLbl="node1" presStyleIdx="0" presStyleCnt="1"/>
+      <dgm:spPr/>
+    </dgm:pt>
+  </dgm:ptLst>
+  <dgm:cxnLst>
+    <dgm:cxn modelId="{2A7E969F-DFC2-A944-B40E-4D051ED69784}" srcId="{DB590BF0-D21B-9149-8E09-205B52BE8E4E}" destId="{EB99D1C3-63E2-7C43-9F25-9BFCF528FE5B}" srcOrd="0" destOrd="0" parTransId="{B374E834-4FF1-B24F-B8E5-972DFE3B300A}" sibTransId="{DD59DD0B-D98A-1A4C-A0AF-29F2156299A1}"/>
+    <dgm:cxn modelId="{028B70CC-227D-8A46-946F-3B77C25898D5}" type="presOf" srcId="{DB590BF0-D21B-9149-8E09-205B52BE8E4E}" destId="{AFD9FEE1-37EA-434E-A51C-4A90FC3C4A71}" srcOrd="0" destOrd="0" presId="urn:microsoft.com/office/officeart/2005/8/layout/hProcess3"/>
+    <dgm:cxn modelId="{4C98EE9F-7D81-A54B-8FE3-B18BF8825B4F}" type="presOf" srcId="{EB99D1C3-63E2-7C43-9F25-9BFCF528FE5B}" destId="{D71A8078-1C10-4244-B617-288F3C20C0C0}" srcOrd="0" destOrd="0" presId="urn:microsoft.com/office/officeart/2005/8/layout/hProcess3"/>
+    <dgm:cxn modelId="{BE45BC4B-A90D-8241-B390-60BCAB53823C}" type="presParOf" srcId="{AFD9FEE1-37EA-434E-A51C-4A90FC3C4A71}" destId="{EECEE826-8238-AF4C-8D6D-006FA6A2C58E}" srcOrd="0" destOrd="0" presId="urn:microsoft.com/office/officeart/2005/8/layout/hProcess3"/>
+    <dgm:cxn modelId="{B0A69A20-E71D-C442-B009-01BB6CE6D35A}" type="presParOf" srcId="{AFD9FEE1-37EA-434E-A51C-4A90FC3C4A71}" destId="{2C7D421A-8104-D442-AEB8-287915966386}" srcOrd="1" destOrd="0" presId="urn:microsoft.com/office/officeart/2005/8/layout/hProcess3"/>
+    <dgm:cxn modelId="{7B22BE13-B9F0-F648-9A6B-481915F2E943}" type="presParOf" srcId="{2C7D421A-8104-D442-AEB8-287915966386}" destId="{94FB5313-19E6-0544-81EE-A89A71E39015}" srcOrd="0" destOrd="0" presId="urn:microsoft.com/office/officeart/2005/8/layout/hProcess3"/>
+    <dgm:cxn modelId="{C81D8A08-35C4-D84D-936F-748BAA7A78AE}" type="presParOf" srcId="{2C7D421A-8104-D442-AEB8-287915966386}" destId="{056D337A-9F3F-C241-8556-FA8B2C5CE612}" srcOrd="1" destOrd="0" presId="urn:microsoft.com/office/officeart/2005/8/layout/hProcess3"/>
+    <dgm:cxn modelId="{23FB8C99-6856-1A4C-96E0-8EE1F60D10B4}" type="presParOf" srcId="{056D337A-9F3F-C241-8556-FA8B2C5CE612}" destId="{213859C7-E760-444A-AE01-04E52E3066FE}" srcOrd="0" destOrd="0" presId="urn:microsoft.com/office/officeart/2005/8/layout/hProcess3"/>
+    <dgm:cxn modelId="{B6E7FF1C-205B-C94E-9440-2D234DF490ED}" type="presParOf" srcId="{056D337A-9F3F-C241-8556-FA8B2C5CE612}" destId="{D71A8078-1C10-4244-B617-288F3C20C0C0}" srcOrd="1" destOrd="0" presId="urn:microsoft.com/office/officeart/2005/8/layout/hProcess3"/>
+    <dgm:cxn modelId="{F1AEEF9E-4DEA-F14E-978C-80B4F1210B42}" type="presParOf" srcId="{056D337A-9F3F-C241-8556-FA8B2C5CE612}" destId="{12ABB8B5-9600-184C-81EC-0E005D8F6B94}" srcOrd="2" destOrd="0" presId="urn:microsoft.com/office/officeart/2005/8/layout/hProcess3"/>
+    <dgm:cxn modelId="{26E4087D-383B-0F42-9E61-37CAAB6187F5}" type="presParOf" srcId="{056D337A-9F3F-C241-8556-FA8B2C5CE612}" destId="{47C2A0EF-FC37-5141-BB54-6A23E834E8E9}" srcOrd="3" destOrd="0" presId="urn:microsoft.com/office/officeart/2005/8/layout/hProcess3"/>
+    <dgm:cxn modelId="{52CAF18E-988B-7740-805F-74E95A6BC43D}" type="presParOf" srcId="{2C7D421A-8104-D442-AEB8-287915966386}" destId="{2EB95F66-77CD-2248-8700-6A11DD16BD22}" srcOrd="2" destOrd="0" presId="urn:microsoft.com/office/officeart/2005/8/layout/hProcess3"/>
+    <dgm:cxn modelId="{1B188937-B2EB-A645-AAE1-A195FF5167FF}" type="presParOf" srcId="{2C7D421A-8104-D442-AEB8-287915966386}" destId="{B38D2057-998D-2247-81B2-52389C6847D6}" srcOrd="3" destOrd="0" presId="urn:microsoft.com/office/officeart/2005/8/layout/hProcess3"/>
+    <dgm:cxn modelId="{6BFF05E2-44D0-1F4E-9567-1C6189DABB18}" type="presParOf" srcId="{2C7D421A-8104-D442-AEB8-287915966386}" destId="{BBC9E2F5-4BC5-824E-871F-4FF433E9A7EB}" srcOrd="4" destOrd="0" presId="urn:microsoft.com/office/officeart/2005/8/layout/hProcess3"/>
+  </dgm:cxnLst>
+  <dgm:bg/>
+  <dgm:whole/>
+  <dgm:extLst>
+    <a:ext uri="http://schemas.microsoft.com/office/drawing/2008/diagram">
+      <dsp:dataModelExt xmlns:dsp="http://schemas.microsoft.com/office/drawing/2008/diagram" relId="rId7" minVer="http://schemas.openxmlformats.org/drawingml/2006/diagram"/>
+    </a:ext>
+  </dgm:extLst>
+</dgm:dataModel>
+</file>
+
+<file path=ppt/diagrams/drawing1.xml><?xml version="1.0" encoding="utf-8"?>
+<dsp:drawing xmlns:dgm="http://schemas.openxmlformats.org/drawingml/2006/diagram" xmlns:dsp="http://schemas.microsoft.com/office/drawing/2008/diagram" xmlns:a="http://schemas.openxmlformats.org/drawingml/2006/main">
+  <dsp:spTree>
+    <dsp:nvGrpSpPr>
+      <dsp:cNvPr id="0" name=""/>
+      <dsp:cNvGrpSpPr/>
+    </dsp:nvGrpSpPr>
+    <dsp:grpSpPr/>
+    <dsp:sp modelId="{BBC9E2F5-4BC5-824E-871F-4FF433E9A7EB}">
+      <dsp:nvSpPr>
+        <dsp:cNvPr id="0" name=""/>
+        <dsp:cNvSpPr/>
+      </dsp:nvSpPr>
+      <dsp:spPr>
+        <a:xfrm>
+          <a:off x="0" y="18931"/>
+          <a:ext cx="1217458" cy="864000"/>
+        </a:xfrm>
+        <a:prstGeom prst="rightArrow">
+          <a:avLst/>
+        </a:prstGeom>
+        <a:gradFill rotWithShape="0">
+          <a:gsLst>
+            <a:gs pos="0">
+              <a:schemeClr val="accent1">
+                <a:hueOff val="0"/>
+                <a:satOff val="0"/>
+                <a:lumOff val="0"/>
+                <a:alphaOff val="0"/>
+              </a:schemeClr>
+            </a:gs>
+            <a:gs pos="100000">
+              <a:schemeClr val="accent1">
+                <a:hueOff val="0"/>
+                <a:satOff val="0"/>
+                <a:lumOff val="0"/>
+                <a:alphaOff val="0"/>
+                <a:shade val="75000"/>
+                <a:satMod val="120000"/>
+                <a:lumMod val="90000"/>
+              </a:schemeClr>
+            </a:gs>
+          </a:gsLst>
+          <a:lin ang="5400000" scaled="0"/>
+        </a:gradFill>
+        <a:ln>
+          <a:noFill/>
+        </a:ln>
+        <a:effectLst>
+          <a:outerShdw blurRad="50800" dist="25400" dir="5400000" rotWithShape="0">
+            <a:srgbClr val="000000">
+              <a:alpha val="28000"/>
+            </a:srgbClr>
+          </a:outerShdw>
+        </a:effectLst>
+        <a:scene3d>
+          <a:camera prst="orthographicFront">
+            <a:rot lat="0" lon="0" rev="0"/>
+          </a:camera>
+          <a:lightRig rig="threePt" dir="tl">
+            <a:rot lat="0" lon="0" rev="20400000"/>
+          </a:lightRig>
+        </a:scene3d>
+        <a:sp3d>
+          <a:bevelT w="50800" h="12700" prst="softRound"/>
+        </a:sp3d>
+      </dsp:spPr>
+      <dsp:style>
+        <a:lnRef idx="0">
+          <a:scrgbClr r="0" g="0" b="0"/>
+        </a:lnRef>
+        <a:fillRef idx="3">
+          <a:scrgbClr r="0" g="0" b="0"/>
+        </a:fillRef>
+        <a:effectRef idx="2">
+          <a:scrgbClr r="0" g="0" b="0"/>
+        </a:effectRef>
+        <a:fontRef idx="minor">
+          <a:schemeClr val="lt1"/>
+        </a:fontRef>
+      </dsp:style>
+    </dsp:sp>
+    <dsp:sp modelId="{D71A8078-1C10-4244-B617-288F3C20C0C0}">
+      <dsp:nvSpPr>
+        <dsp:cNvPr id="0" name=""/>
+        <dsp:cNvSpPr/>
+      </dsp:nvSpPr>
+      <dsp:spPr>
+        <a:xfrm>
+          <a:off x="98205" y="234931"/>
+          <a:ext cx="997507" cy="432000"/>
+        </a:xfrm>
+        <a:prstGeom prst="rect">
+          <a:avLst/>
+        </a:prstGeom>
+        <a:noFill/>
+        <a:ln>
+          <a:noFill/>
+        </a:ln>
+        <a:effectLst/>
+      </dsp:spPr>
+      <dsp:style>
+        <a:lnRef idx="0">
+          <a:scrgbClr r="0" g="0" b="0"/>
+        </a:lnRef>
+        <a:fillRef idx="0">
+          <a:scrgbClr r="0" g="0" b="0"/>
+        </a:fillRef>
+        <a:effectRef idx="0">
+          <a:scrgbClr r="0" g="0" b="0"/>
+        </a:effectRef>
+        <a:fontRef idx="minor"/>
+      </dsp:style>
+      <dsp:txBody>
+        <a:bodyPr spcFirstLastPara="0" vert="horz" wrap="square" lIns="0" tIns="121920" rIns="0" bIns="121920" numCol="1" spcCol="1270" anchor="ctr" anchorCtr="0">
+          <a:noAutofit/>
+        </a:bodyPr>
+        <a:lstStyle/>
+        <a:p>
+          <a:pPr lvl="0" algn="ctr" defTabSz="533400">
+            <a:lnSpc>
+              <a:spcPct val="90000"/>
+            </a:lnSpc>
+            <a:spcBef>
+              <a:spcPct val="0"/>
+            </a:spcBef>
+            <a:spcAft>
+              <a:spcPct val="35000"/>
+            </a:spcAft>
+          </a:pPr>
+          <a:r>
+            <a:rPr lang="en-US" sz="1200" kern="1200" dirty="0" smtClean="0"/>
+            <a:t>Attacks</a:t>
+          </a:r>
+          <a:endParaRPr lang="en-US" sz="1200" kern="1200" dirty="0"/>
+        </a:p>
+      </dsp:txBody>
+      <dsp:txXfrm>
+        <a:off x="98205" y="234931"/>
+        <a:ext cx="997507" cy="432000"/>
+      </dsp:txXfrm>
+    </dsp:sp>
+  </dsp:spTree>
+</dsp:drawing>
+</file>
+
+<file path=ppt/diagrams/layout1.xml><?xml version="1.0" encoding="utf-8"?>
+<dgm:layoutDef xmlns:dgm="http://schemas.openxmlformats.org/drawingml/2006/diagram" xmlns:a="http://schemas.openxmlformats.org/drawingml/2006/main" uniqueId="urn:microsoft.com/office/officeart/2005/8/layout/hProcess3">
+  <dgm:title val=""/>
+  <dgm:desc val=""/>
+  <dgm:catLst>
+    <dgm:cat type="process" pri="6000"/>
+  </dgm:catLst>
+  <dgm:sampData useDef="1">
+    <dgm:dataModel>
+      <dgm:ptLst/>
+      <dgm:bg/>
+      <dgm:whole/>
+    </dgm:dataModel>
+  </dgm:sampData>
+  <dgm:styleData>
+    <dgm:dataModel>
+      <dgm:ptLst>
+        <dgm:pt modelId="0" type="doc"/>
+        <dgm:pt modelId="1"/>
+        <dgm:pt modelId="2"/>
+      </dgm:ptLst>
+      <dgm:cxnLst>
+        <dgm:cxn modelId="3" srcId="0" destId="1" srcOrd="0" destOrd="0"/>
+        <dgm:cxn modelId="4" srcId="0" destId="2" srcOrd="1" destOrd="0"/>
+      </dgm:cxnLst>
+      <dgm:bg/>
+      <dgm:whole/>
+    </dgm:dataModel>
+  </dgm:styleData>
+  <dgm:clrData>
+    <dgm:dataModel>
+      <dgm:ptLst>
+        <dgm:pt modelId="0" type="doc"/>
+        <dgm:pt modelId="1"/>
+        <dgm:pt modelId="2"/>
+        <dgm:pt modelId="3"/>
+        <dgm:pt modelId="4"/>
+      </dgm:ptLst>
+      <dgm:cxnLst>
+        <dgm:cxn modelId="5" srcId="0" destId="1" srcOrd="0" destOrd="0"/>
+        <dgm:cxn modelId="6" srcId="0" destId="2" srcOrd="1" destOrd="0"/>
+        <dgm:cxn modelId="7" srcId="0" destId="3" srcOrd="2" destOrd="0"/>
+        <dgm:cxn modelId="8" srcId="0" destId="4" srcOrd="3" destOrd="0"/>
+      </dgm:cxnLst>
+      <dgm:bg/>
+      <dgm:whole/>
+    </dgm:dataModel>
+  </dgm:clrData>
+  <dgm:layoutNode name="Name0" chOrder="t">
+    <dgm:varLst>
+      <dgm:dir/>
+      <dgm:animLvl val="lvl"/>
+      <dgm:resizeHandles val="exact"/>
+    </dgm:varLst>
+    <dgm:alg type="composite"/>
+    <dgm:shape xmlns:r="http://schemas.openxmlformats.org/officeDocument/2006/relationships" r:blip="">
+      <dgm:adjLst/>
+    </dgm:shape>
+    <dgm:presOf/>
+    <dgm:constrLst>
+      <dgm:constr type="w" for="ch" forName="dummy" refType="w"/>
+      <dgm:constr type="h" for="ch" forName="dummy" refType="h"/>
+      <dgm:constr type="h" for="ch" forName="dummy" refType="w" refFor="ch" refForName="dummy" op="lte" fact="0.4"/>
+      <dgm:constr type="ctrX" for="ch" forName="dummy" refType="w" fact="0.5"/>
+      <dgm:constr type="ctrY" for="ch" forName="dummy" refType="h" fact="0.5"/>
+      <dgm:constr type="w" for="ch" forName="linH" refType="w"/>
+      <dgm:constr type="h" for="ch" forName="linH" refType="h"/>
+      <dgm:constr type="ctrX" for="ch" forName="linH" refType="w" fact="0.5"/>
+      <dgm:constr type="ctrY" for="ch" forName="linH" refType="h" fact="0.5"/>
+      <dgm:constr type="userP" for="ch" forName="linH" refType="h" refFor="ch" refForName="dummy" fact="0.25"/>
+      <dgm:constr type="userT" for="des" forName="parTx" refType="w" refFor="ch" refForName="dummy" fact="0.2"/>
+    </dgm:constrLst>
+    <dgm:ruleLst/>
+    <dgm:layoutNode name="dummy">
+      <dgm:alg type="sp"/>
+      <dgm:shape xmlns:r="http://schemas.openxmlformats.org/officeDocument/2006/relationships" r:blip="">
+        <dgm:adjLst/>
+      </dgm:shape>
+      <dgm:presOf/>
+      <dgm:constrLst/>
+      <dgm:ruleLst/>
+    </dgm:layoutNode>
+    <dgm:layoutNode name="linH">
+      <dgm:choose name="Name1">
+        <dgm:if name="Name2" func="var" arg="dir" op="equ" val="norm">
+          <dgm:alg type="lin">
+            <dgm:param type="linDir" val="fromL"/>
+            <dgm:param type="nodeVertAlign" val="t"/>
+          </dgm:alg>
+        </dgm:if>
+        <dgm:else name="Name3">
+          <dgm:alg type="lin">
+            <dgm:param type="linDir" val="fromR"/>
+            <dgm:param type="nodeVertAlign" val="t"/>
+          </dgm:alg>
+        </dgm:else>
+      </dgm:choose>
+      <dgm:shape xmlns:r="http://schemas.openxmlformats.org/officeDocument/2006/relationships" r:blip="">
+        <dgm:adjLst/>
+      </dgm:shape>
+      <dgm:presOf/>
+      <dgm:constrLst>
+        <dgm:constr type="primFontSz" for="des" forName="parTx" val="65"/>
+        <dgm:constr type="primFontSz" for="des" forName="desTx" refType="primFontSz" refFor="des" refForName="parTx" op="equ"/>
+        <dgm:constr type="h" for="des" forName="parTx" refType="primFontSz" refFor="des" refForName="parTx"/>
+        <dgm:constr type="h" for="des" forName="desTx" refType="primFontSz" refFor="des" refForName="parTx" fact="0.5"/>
+        <dgm:constr type="h" for="des" forName="parTx" op="equ"/>
+        <dgm:constr type="h" for="des" forName="desTx" op="equ"/>
+        <dgm:constr type="h" for="ch" forName="backgroundArrow" refType="primFontSz" refFor="des" refForName="parTx" fact="2"/>
+        <dgm:constr type="h" for="ch" forName="backgroundArrow" refType="h" refFor="des" refForName="parTx" op="lte" fact="2"/>
+        <dgm:constr type="h" for="ch" forName="backgroundArrow" refType="h" refFor="des" refForName="parTx" op="gte" fact="2"/>
+        <dgm:constr type="h" for="des" forName="spVertical1" refType="primFontSz" refFor="des" refForName="parTx" fact="0.5"/>
+        <dgm:constr type="h" for="des" forName="spVertical1" refType="h" refFor="des" refForName="parTx" op="lte" fact="0.5"/>
+        <dgm:constr type="h" for="des" forName="spVertical1" refType="h" refFor="des" refForName="parTx" op="gte" fact="0.5"/>
+        <dgm:constr type="h" for="des" forName="spVertical2" refType="primFontSz" refFor="des" refForName="parTx" fact="0.5"/>
+        <dgm:constr type="h" for="des" forName="spVertical2" refType="h" refFor="des" refForName="parTx" op="lte" fact="0.5"/>
+        <dgm:constr type="h" for="des" forName="spVertical2" refType="h" refFor="des" refForName="parTx" op="gte" fact="0.5"/>
+        <dgm:constr type="h" for="des" forName="spVertical3" refType="primFontSz" refFor="des" refForName="parTx" fact="-0.4"/>
+        <dgm:constr type="h" for="des" forName="spVertical3" refType="h" refFor="des" refForName="parTx" op="lte" fact="-0.4"/>
+        <dgm:constr type="h" for="des" forName="spVertical3" refType="h" refFor="des" refForName="parTx" op="gte" fact="-0.4"/>
+        <dgm:constr type="w" for="ch" forName="backgroundArrow" refType="w"/>
+        <dgm:constr type="w" for="ch" forName="negArrow" refType="w" fact="-1"/>
+        <dgm:constr type="w" for="ch" forName="linV" refType="w"/>
+        <dgm:constr type="w" for="ch" forName="space" refType="w" refFor="ch" refForName="linV" fact="0.2"/>
+        <dgm:constr type="w" for="ch" forName="padding1" refType="w" fact="0.08"/>
+        <dgm:constr type="userP"/>
+        <dgm:constr type="w" for="ch" forName="padding2" refType="userP"/>
+      </dgm:constrLst>
+      <dgm:ruleLst>
+        <dgm:rule type="w" for="ch" forName="linV" val="0" fact="NaN" max="NaN"/>
+        <dgm:rule type="primFontSz" for="des" forName="parTx" val="5" fact="NaN" max="NaN"/>
+      </dgm:ruleLst>
+      <dgm:layoutNode name="padding1">
+        <dgm:alg type="sp"/>
+        <dgm:shape xmlns:r="http://schemas.openxmlformats.org/officeDocument/2006/relationships" r:blip="">
+          <dgm:adjLst/>
+        </dgm:shape>
+        <dgm:presOf/>
+        <dgm:constrLst/>
+        <dgm:ruleLst/>
+      </dgm:layoutNode>
+      <dgm:forEach name="Name4" axis="ch" ptType="node">
+        <dgm:layoutNode name="linV">
+          <dgm:alg type="lin">
+            <dgm:param type="linDir" val="fromT"/>
+          </dgm:alg>
+          <dgm:shape xmlns:r="http://schemas.openxmlformats.org/officeDocument/2006/relationships" r:blip="">
+            <dgm:adjLst/>
+          </dgm:shape>
+          <dgm:presOf/>
+          <dgm:constrLst>
+            <dgm:constr type="w" for="ch" forName="spVertical1" refType="w"/>
+            <dgm:constr type="w" for="ch" forName="parTx" refType="w"/>
+            <dgm:constr type="w" for="ch" forName="spVertical2" refType="w"/>
+            <dgm:constr type="w" for="ch" forName="spVertical3" refType="w"/>
+            <dgm:constr type="w" for="ch" forName="desTx" refType="w"/>
+          </dgm:constrLst>
+          <dgm:ruleLst/>
+          <dgm:layoutNode name="spVertical1">
+            <dgm:alg type="sp"/>
+            <dgm:shape xmlns:r="http://schemas.openxmlformats.org/officeDocument/2006/relationships" r:blip="">
+              <dgm:adjLst/>
+            </dgm:shape>
+            <dgm:presOf/>
+            <dgm:constrLst/>
+            <dgm:ruleLst/>
+          </dgm:layoutNode>
+          <dgm:layoutNode name="parTx" styleLbl="revTx">
+            <dgm:varLst>
+              <dgm:chMax val="0"/>
+              <dgm:chPref val="0"/>
+              <dgm:bulletEnabled val="1"/>
+            </dgm:varLst>
+            <dgm:choose name="Name5">
+              <dgm:if name="Name6" axis="root des" ptType="all node" func="maxDepth" op="gt" val="1">
+                <dgm:alg type="tx">
+                  <dgm:param type="parTxLTRAlign" val="l"/>
+                  <dgm:param type="parTxRTLAlign" val="r"/>
+                </dgm:alg>
+              </dgm:if>
+              <dgm:else name="Name7">
+                <dgm:alg type="tx">
+                  <dgm:param type="parTxLTRAlign" val="ctr"/>
+                  <dgm:param type="parTxRTLAlign" val="ctr"/>
+                </dgm:alg>
+              </dgm:else>
+            </dgm:choose>
+            <dgm:shape xmlns:r="http://schemas.openxmlformats.org/officeDocument/2006/relationships" type="rect" r:blip="">
+              <dgm:adjLst/>
+            </dgm:shape>
+            <dgm:presOf axis="self" ptType="node"/>
+            <dgm:choose name="Name8">
+              <dgm:if name="Name9" func="var" arg="dir" op="equ" val="norm">
+                <dgm:constrLst>
+                  <dgm:constr type="userT"/>
+                  <dgm:constr type="h" refType="userT" op="lte"/>
+                  <dgm:constr type="tMarg" refType="primFontSz" fact="0.8"/>
+                  <dgm:constr type="bMarg" refType="tMarg"/>
+                  <dgm:constr type="lMarg"/>
+                  <dgm:constr type="rMarg"/>
+                </dgm:constrLst>
+              </dgm:if>
+              <dgm:else name="Name10">
+                <dgm:constrLst>
+                  <dgm:constr type="userT"/>
+                  <dgm:constr type="h" refType="userT" op="lte"/>
+                  <dgm:constr type="tMarg" refType="primFontSz" fact="0.8"/>
+                  <dgm:constr type="bMarg" refType="tMarg"/>
+                  <dgm:constr type="lMarg"/>
+                  <dgm:constr type="rMarg"/>
+                </dgm:constrLst>
+              </dgm:else>
+            </dgm:choose>
+            <dgm:ruleLst>
+              <dgm:rule type="h" val="INF" fact="NaN" max="NaN"/>
+            </dgm:ruleLst>
+          </dgm:layoutNode>
+          <dgm:layoutNode name="spVertical2">
+            <dgm:alg type="sp"/>
+            <dgm:shape xmlns:r="http://schemas.openxmlformats.org/officeDocument/2006/relationships" r:blip="">
+              <dgm:adjLst/>
+            </dgm:shape>
+            <dgm:presOf/>
+            <dgm:constrLst/>
+            <dgm:ruleLst/>
+          </dgm:layoutNode>
+          <dgm:layoutNode name="spVertical3">
+            <dgm:alg type="sp"/>
+            <dgm:shape xmlns:r="http://schemas.openxmlformats.org/officeDocument/2006/relationships" r:blip="">
+              <dgm:adjLst/>
+            </dgm:shape>
+            <dgm:presOf/>
+            <dgm:constrLst/>
+            <dgm:ruleLst/>
+          </dgm:layoutNode>
+          <dgm:choose name="Name11">
+            <dgm:if name="Name12" axis="ch" ptType="node" func="cnt" op="gte" val="1">
+              <dgm:layoutNode name="desTx" styleLbl="revTx">
+                <dgm:varLst>
+                  <dgm:bulletEnabled val="1"/>
+                </dgm:varLst>
+                <dgm:alg type="tx">
+                  <dgm:param type="stBulletLvl" val="1"/>
+                </dgm:alg>
+                <dgm:shape xmlns:r="http://schemas.openxmlformats.org/officeDocument/2006/relationships" type="rect" r:blip="">
+                  <dgm:adjLst/>
+                </dgm:shape>
+                <dgm:presOf axis="des" ptType="node"/>
+                <dgm:constrLst>
+                  <dgm:constr type="tMarg"/>
+                  <dgm:constr type="bMarg"/>
+                  <dgm:constr type="rMarg"/>
+                  <dgm:constr type="lMarg"/>
+                </dgm:constrLst>
+                <dgm:ruleLst>
+                  <dgm:rule type="h" val="INF" fact="NaN" max="NaN"/>
+                </dgm:ruleLst>
+              </dgm:layoutNode>
+            </dgm:if>
+            <dgm:else name="Name13"/>
+          </dgm:choose>
+        </dgm:layoutNode>
+        <dgm:forEach name="Name14" axis="followSib" ptType="sibTrans" cnt="1">
+          <dgm:layoutNode name="space">
+            <dgm:alg type="sp"/>
+            <dgm:shape xmlns:r="http://schemas.openxmlformats.org/officeDocument/2006/relationships" r:blip="">
+              <dgm:adjLst/>
+            </dgm:shape>
+            <dgm:presOf/>
+            <dgm:constrLst/>
+            <dgm:ruleLst/>
+          </dgm:layoutNode>
+        </dgm:forEach>
+      </dgm:forEach>
+      <dgm:layoutNode name="padding2">
+        <dgm:alg type="sp"/>
+        <dgm:shape xmlns:r="http://schemas.openxmlformats.org/officeDocument/2006/relationships" r:blip="">
+          <dgm:adjLst/>
+        </dgm:shape>
+        <dgm:presOf/>
+        <dgm:constrLst/>
+        <dgm:ruleLst/>
+      </dgm:layoutNode>
+      <dgm:layoutNode name="negArrow">
+        <dgm:alg type="sp"/>
+        <dgm:shape xmlns:r="http://schemas.openxmlformats.org/officeDocument/2006/relationships" r:blip="">
+          <dgm:adjLst/>
+        </dgm:shape>
+        <dgm:presOf/>
+        <dgm:constrLst/>
+        <dgm:ruleLst/>
+      </dgm:layoutNode>
+      <dgm:layoutNode name="backgroundArrow" styleLbl="node1">
+        <dgm:alg type="sp"/>
+        <dgm:choose name="Name15">
+          <dgm:if name="Name16" func="var" arg="dir" op="equ" val="norm">
+            <dgm:shape xmlns:r="http://schemas.openxmlformats.org/officeDocument/2006/relationships" type="rightArrow" r:blip="">
+              <dgm:adjLst/>
+            </dgm:shape>
+          </dgm:if>
+          <dgm:else name="Name17">
+            <dgm:shape xmlns:r="http://schemas.openxmlformats.org/officeDocument/2006/relationships" type="leftArrow" r:blip="">
+              <dgm:adjLst/>
+            </dgm:shape>
+          </dgm:else>
+        </dgm:choose>
+        <dgm:presOf/>
+        <dgm:constrLst/>
+        <dgm:ruleLst/>
+      </dgm:layoutNode>
+    </dgm:layoutNode>
+  </dgm:layoutNode>
+</dgm:layoutDef>
+</file>
+
+<file path=ppt/diagrams/quickStyle1.xml><?xml version="1.0" encoding="utf-8"?>
+<dgm:styleDef xmlns:dgm="http://schemas.openxmlformats.org/drawingml/2006/diagram" xmlns:a="http://schemas.openxmlformats.org/drawingml/2006/main" uniqueId="urn:microsoft.com/office/officeart/2005/8/quickstyle/simple4">
+  <dgm:title val=""/>
+  <dgm:desc val=""/>
+  <dgm:catLst>
+    <dgm:cat type="simple" pri="10400"/>
+  </dgm:catLst>
+  <dgm:scene3d>
+    <a:camera prst="orthographicFront"/>
+    <a:lightRig rig="threePt" dir="t"/>
+  </dgm:scene3d>
+  <dgm:styleLbl name="node0">
+    <dgm:scene3d>
+      <a:camera prst="orthographicFront"/>
+      <a:lightRig rig="threePt" dir="t"/>
+    </dgm:scene3d>
+    <dgm:sp3d/>
+    <dgm:txPr/>
+    <dgm:style>
+      <a:lnRef idx="0">
+        <a:scrgbClr r="0" g="0" b="0"/>
+      </a:lnRef>
+      <a:fillRef idx="3">
+        <a:scrgbClr r="0" g="0" b="0"/>
+      </a:fillRef>
+      <a:effectRef idx="2">
+        <a:scrgbClr r="0" g="0" b="0"/>
+      </a:effectRef>
+      <a:fontRef idx="minor">
+        <a:schemeClr val="lt1"/>
+      </a:fontRef>
+    </dgm:style>
+  </dgm:styleLbl>
+  <dgm:styleLbl name="lnNode1">
+    <dgm:scene3d>
+      <a:camera prst="orthographicFront"/>
+      <a:lightRig rig="threePt" dir="t"/>
+    </dgm:scene3d>
+    <dgm:sp3d/>
+    <dgm:txPr/>
+    <dgm:style>
+      <a:lnRef idx="1">
+        <a:scrgbClr r="0" g="0" b="0"/>
+      </a:lnRef>
+      <a:fillRef idx="3">
+        <a:scrgbClr r="0" g="0" b="0"/>
+      </a:fillRef>
+      <a:effectRef idx="2">
+        <a:scrgbClr r="0" g="0" b="0"/>
+      </a:effectRef>
+      <a:fontRef idx="minor">
+        <a:schemeClr val="lt1"/>
+      </a:fontRef>
+    </dgm:style>
+  </dgm:styleLbl>
+  <dgm:styleLbl name="vennNode1">
+    <dgm:scene3d>
+      <a:camera prst="orthographicFront"/>
+      <a:lightRig rig="threePt" dir="t"/>
+    </dgm:scene3d>
+    <dgm:sp3d/>
+    <dgm:txPr/>
+    <dgm:style>
+      <a:lnRef idx="0">
+        <a:scrgbClr r="0" g="0" b="0"/>
+      </a:lnRef>
+      <a:fillRef idx="3">
+        <a:scrgbClr r="0" g="0" b="0"/>
+      </a:fillRef>
+      <a:effectRef idx="0">
+        <a:scrgbClr r="0" g="0" b="0"/>
+      </a:effectRef>
+      <a:fontRef idx="minor">
+        <a:schemeClr val="tx1"/>
+      </a:fontRef>
+    </dgm:style>
+  </dgm:styleLbl>
+  <dgm:styleLbl name="alignNode1">
+    <dgm:scene3d>
+      <a:camera prst="orthographicFront"/>
+      <a:lightRig rig="threePt" dir="t"/>
+    </dgm:scene3d>
+    <dgm:sp3d/>
+    <dgm:txPr/>
+    <dgm:style>
+      <a:lnRef idx="1">
+        <a:scrgbClr r="0" g="0" b="0"/>
+      </a:lnRef>
+      <a:fillRef idx="3">
+        <a:scrgbClr r="0" g="0" b="0"/>
+      </a:fillRef>
+      <a:effectRef idx="2">
+        <a:scrgbClr r="0" g="0" b="0"/>
+      </a:effectRef>
+      <a:fontRef idx="minor">
+        <a:schemeClr val="lt1"/>
+      </a:fontRef>
+    </dgm:style>
+  </dgm:styleLbl>
+  <dgm:styleLbl name="node1">
+    <dgm:scene3d>
+      <a:camera prst="orthographicFront"/>
+      <a:lightRig rig="threePt" dir="t"/>
+    </dgm:scene3d>
+    <dgm:sp3d/>
+    <dgm:txPr/>
+    <dgm:style>
+      <a:lnRef idx="0">
+        <a:scrgbClr r="0" g="0" b="0"/>
+      </a:lnRef>
+      <a:fillRef idx="3">
+        <a:scrgbClr r="0" g="0" b="0"/>
+      </a:fillRef>
+      <a:effectRef idx="2">
+        <a:scrgbClr r="0" g="0" b="0"/>
+      </a:effectRef>
+      <a:fontRef idx="minor">
+        <a:schemeClr val="lt1"/>
+      </a:fontRef>
+    </dgm:style>
+  </dgm:styleLbl>
+  <dgm:styleLbl name="node2">
+    <dgm:scene3d>
+      <a:camera prst="orthographicFront"/>
+      <a:lightRig rig="threePt" dir="t"/>
+    </dgm:scene3d>
+    <dgm:sp3d/>
+    <dgm:txPr/>
+    <dgm:style>
+      <a:lnRef idx="0">
+        <a:scrgbClr r="0" g="0" b="0"/>
+      </a:lnRef>
+      <a:fillRef idx="3">
+        <a:scrgbClr r="0" g="0" b="0"/>
+      </a:fillRef>
+      <a:effectRef idx="2">
+        <a:scrgbClr r="0" g="0" b="0"/>
+      </a:effectRef>
+      <a:fontRef idx="minor">
+        <a:schemeClr val="lt1"/>
+      </a:fontRef>
+    </dgm:style>
+  </dgm:styleLbl>
+  <dgm:styleLbl name="node3">
+    <dgm:scene3d>
+      <a:camera prst="orthographicFront"/>
+      <a:lightRig rig="threePt" dir="t"/>
+    </dgm:scene3d>
+    <dgm:sp3d/>
+    <dgm:txPr/>
+    <dgm:style>
+      <a:lnRef idx="0">
+        <a:scrgbClr r="0" g="0" b="0"/>
+      </a:lnRef>
+      <a:fillRef idx="3">
+        <a:scrgbClr r="0" g="0" b="0"/>
+      </a:fillRef>
+      <a:effectRef idx="2">
+        <a:scrgbClr r="0" g="0" b="0"/>
+      </a:effectRef>
+      <a:fontRef idx="minor">
+        <a:schemeClr val="lt1"/>
+      </a:fontRef>
+    </dgm:style>
+  </dgm:styleLbl>
+  <dgm:styleLbl name="node4">
+    <dgm:scene3d>
+      <a:camera prst="orthographicFront"/>
+      <a:lightRig rig="threePt" dir="t"/>
+    </dgm:scene3d>
+    <dgm:sp3d/>
+    <dgm:txPr/>
+    <dgm:style>
+      <a:lnRef idx="0">
+        <a:scrgbClr r="0" g="0" b="0"/>
+      </a:lnRef>
+      <a:fillRef idx="3">
+        <a:scrgbClr r="0" g="0" b="0"/>
+      </a:fillRef>
+      <a:effectRef idx="2">
+        <a:scrgbClr r="0" g="0" b="0"/>
+      </a:effectRef>
+      <a:fontRef idx="minor">
+        <a:schemeClr val="lt1"/>
+      </a:fontRef>
+    </dgm:style>
+  </dgm:styleLbl>
+  <dgm:styleLbl name="fgImgPlace1">
+    <dgm:scene3d>
+      <a:camera prst="orthographicFront"/>
+      <a:lightRig rig="threePt" dir="t"/>
+    </dgm:scene3d>
+    <dgm:sp3d/>
+    <dgm:txPr/>
+    <dgm:style>
+      <a:lnRef idx="0">
+        <a:scrgbClr r="0" g="0" b="0"/>
+      </a:lnRef>
+      <a:fillRef idx="1">
+        <a:scrgbClr r="0" g="0" b="0"/>
+      </a:fillRef>
+      <a:effectRef idx="2">
+        <a:scrgbClr r="0" g="0" b="0"/>
+      </a:effectRef>
+      <a:fontRef idx="minor"/>
+    </dgm:style>
+  </dgm:styleLbl>
+  <dgm:styleLbl name="alignImgPlace1">
+    <dgm:scene3d>
+      <a:camera prst="orthographicFront"/>
+      <a:lightRig rig="threePt" dir="t"/>
+    </dgm:scene3d>
+    <dgm:sp3d/>
+    <dgm:txPr/>
+    <dgm:style>
+      <a:lnRef idx="0">
+        <a:scrgbClr r="0" g="0" b="0"/>
+      </a:lnRef>
+      <a:fillRef idx="1">
+        <a:scrgbClr r="0" g="0" b="0"/>
+      </a:fillRef>
+      <a:effectRef idx="2">
+        <a:scrgbClr r="0" g="0" b="0"/>
+      </a:effectRef>
+      <a:fontRef idx="minor"/>
+    </dgm:style>
+  </dgm:styleLbl>
+  <dgm:styleLbl name="bgImgPlace1">
+    <dgm:scene3d>
+      <a:camera prst="orthographicFront"/>
+      <a:lightRig rig="threePt" dir="t"/>
+    </dgm:scene3d>
+    <dgm:sp3d/>
+    <dgm:txPr/>
+    <dgm:style>
+      <a:lnRef idx="0">
+        <a:scrgbClr r="0" g="0" b="0"/>
+      </a:lnRef>
+      <a:fillRef idx="1">
+        <a:scrgbClr r="0" g="0" b="0"/>
+      </a:fillRef>
+      <a:effectRef idx="2">
+        <a:scrgbClr r="0" g="0" b="0"/>
+      </a:effectRef>
+      <a:fontRef idx="minor"/>
+    </dgm:style>
+  </dgm:styleLbl>
+  <dgm:styleLbl name="sibTrans2D1">
+    <dgm:scene3d>
+      <a:camera prst="orthographicFront"/>
+      <a:lightRig rig="threePt" dir="t"/>
+    </dgm:scene3d>
+    <dgm:sp3d/>
+    <dgm:txPr/>
+    <dgm:style>
+      <a:lnRef idx="0">
+        <a:scrgbClr r="0" g="0" b="0"/>
+      </a:lnRef>
+      <a:fillRef idx="3">
+        <a:scrgbClr r="0" g="0" b="0"/>
+      </a:fillRef>
+      <a:effectRef idx="2">
+        <a:scrgbClr r="0" g="0" b="0"/>
+      </a:effectRef>
+      <a:fontRef idx="minor">
+        <a:schemeClr val="lt1"/>
+      </a:fontRef>
+    </dgm:style>
+  </dgm:styleLbl>
+  <dgm:styleLbl name="fgSibTrans2D1">
+    <dgm:scene3d>
+      <a:camera prst="orthographicFront"/>
+      <a:lightRig rig="threePt" dir="t"/>
+    </dgm:scene3d>
+    <dgm:sp3d/>
+    <dgm:txPr/>
+    <dgm:style>
+      <a:lnRef idx="0">
+        <a:scrgbClr r="0" g="0" b="0"/>
+      </a:lnRef>
+      <a:fillRef idx="3">
+        <a:scrgbClr r="0" g="0" b="0"/>
+      </a:fillRef>
+      <a:effectRef idx="2">
+        <a:scrgbClr r="0" g="0" b="0"/>
+      </a:effectRef>
+      <a:fontRef idx="minor">
+        <a:schemeClr val="lt1"/>
+      </a:fontRef>
+    </dgm:style>
+  </dgm:styleLbl>
+  <dgm:styleLbl name="bgSibTrans2D1">
+    <dgm:scene3d>
+      <a:camera prst="orthographicFront"/>
+      <a:lightRig rig="threePt" dir="t"/>
+    </dgm:scene3d>
+    <dgm:sp3d/>
+    <dgm:txPr/>
+    <dgm:style>
+      <a:lnRef idx="0">
+        <a:scrgbClr r="0" g="0" b="0"/>
+      </a:lnRef>
+      <a:fillRef idx="3">
+        <a:scrgbClr r="0" g="0" b="0"/>
+      </a:fillRef>
+      <a:effectRef idx="2">
+        <a:scrgbClr r="0" g="0" b="0"/>
+      </a:effectRef>
+      <a:fontRef idx="minor">
+        <a:schemeClr val="lt1"/>
+      </a:fontRef>
+    </dgm:style>
+  </dgm:styleLbl>
+  <dgm:styleLbl name="sibTrans1D1">
+    <dgm:scene3d>
+      <a:camera prst="orthographicFront"/>
+      <a:lightRig rig="threePt" dir="t"/>
+    </dgm:scene3d>
+    <dgm:sp3d/>
+    <dgm:txPr/>
+    <dgm:style>
+      <a:lnRef idx="1">
+        <a:scrgbClr r="0" g="0" b="0"/>
+      </a:lnRef>
+      <a:fillRef idx="0">
+        <a:scrgbClr r="0" g="0" b="0"/>
+      </a:fillRef>
+      <a:effectRef idx="0">
+        <a:scrgbClr r="0" g="0" b="0"/>
+      </a:effectRef>
+      <a:fontRef idx="minor"/>
+    </dgm:style>
+  </dgm:styleLbl>
+  <dgm:styleLbl name="callout">
+    <dgm:scene3d>
+      <a:camera prst="orthographicFront"/>
+      <a:lightRig rig="threePt" dir="t"/>
+    </dgm:scene3d>
+    <dgm:sp3d/>
+    <dgm:txPr/>
+    <dgm:style>
+      <a:lnRef idx="2">
+        <a:scrgbClr r="0" g="0" b="0"/>
+      </a:lnRef>
+      <a:fillRef idx="1">
+        <a:scrgbClr r="0" g="0" b="0"/>
+      </a:fillRef>
+      <a:effectRef idx="1">
+        <a:scrgbClr r="0" g="0" b="0"/>
+      </a:effectRef>
+      <a:fontRef idx="minor"/>
+    </dgm:style>
+  </dgm:styleLbl>
+  <dgm:styleLbl name="asst0">
+    <dgm:scene3d>
+      <a:camera prst="orthographicFront"/>
+      <a:lightRig rig="threePt" dir="t"/>
+    </dgm:scene3d>
+    <dgm:sp3d/>
+    <dgm:txPr/>
+    <dgm:style>
+      <a:lnRef idx="0">
+        <a:scrgbClr r="0" g="0" b="0"/>
+      </a:lnRef>
+      <a:fillRef idx="3">
+        <a:scrgbClr r="0" g="0" b="0"/>
+      </a:fillRef>
+      <a:effectRef idx="2">
+        <a:scrgbClr r="0" g="0" b="0"/>
+      </a:effectRef>
+      <a:fontRef idx="minor">
+        <a:schemeClr val="lt1"/>
+      </a:fontRef>
+    </dgm:style>
+  </dgm:styleLbl>
+  <dgm:styleLbl name="asst1">
+    <dgm:scene3d>
+      <a:camera prst="orthographicFront"/>
+      <a:lightRig rig="threePt" dir="t"/>
+    </dgm:scene3d>
+    <dgm:sp3d/>
+    <dgm:txPr/>
+    <dgm:style>
+      <a:lnRef idx="0">
+        <a:scrgbClr r="0" g="0" b="0"/>
+      </a:lnRef>
+      <a:fillRef idx="3">
+        <a:scrgbClr r="0" g="0" b="0"/>
+      </a:fillRef>
+      <a:effectRef idx="2">
+        <a:scrgbClr r="0" g="0" b="0"/>
+      </a:effectRef>
+      <a:fontRef idx="minor">
+        <a:schemeClr val="lt1"/>
+      </a:fontRef>
+    </dgm:style>
+  </dgm:styleLbl>
+  <dgm:styleLbl name="asst2">
+    <dgm:scene3d>
+      <a:camera prst="orthographicFront"/>
+      <a:lightRig rig="threePt" dir="t"/>
+    </dgm:scene3d>
+    <dgm:sp3d/>
+    <dgm:txPr/>
+    <dgm:style>
+      <a:lnRef idx="0">
+        <a:scrgbClr r="0" g="0" b="0"/>
+      </a:lnRef>
+      <a:fillRef idx="3">
+        <a:scrgbClr r="0" g="0" b="0"/>
+      </a:fillRef>
+      <a:effectRef idx="2">
+        <a:scrgbClr r="0" g="0" b="0"/>
+      </a:effectRef>
+      <a:fontRef idx="minor">
+        <a:schemeClr val="lt1"/>
+      </a:fontRef>
+    </dgm:style>
+  </dgm:styleLbl>
+  <dgm:styleLbl name="asst3">
+    <dgm:scene3d>
+      <a:camera prst="orthographicFront"/>
+      <a:lightRig rig="threePt" dir="t"/>
+    </dgm:scene3d>
+    <dgm:sp3d/>
+    <dgm:txPr/>
+    <dgm:style>
+      <a:lnRef idx="0">
+        <a:scrgbClr r="0" g="0" b="0"/>
+      </a:lnRef>
+      <a:fillRef idx="3">
+        <a:scrgbClr r="0" g="0" b="0"/>
+      </a:fillRef>
+      <a:effectRef idx="2">
+        <a:scrgbClr r="0" g="0" b="0"/>
+      </a:effectRef>
+      <a:fontRef idx="minor">
+        <a:schemeClr val="lt1"/>
+      </a:fontRef>
+    </dgm:style>
+  </dgm:styleLbl>
+  <dgm:styleLbl name="asst4">
+    <dgm:scene3d>
+      <a:camera prst="orthographicFront"/>
+      <a:lightRig rig="threePt" dir="t"/>
+    </dgm:scene3d>
+    <dgm:sp3d/>
+    <dgm:txPr/>
+    <dgm:style>
+      <a:lnRef idx="0">
+        <a:scrgbClr r="0" g="0" b="0"/>
+      </a:lnRef>
+      <a:fillRef idx="3">
+        <a:scrgbClr r="0" g="0" b="0"/>
+      </a:fillRef>
+      <a:effectRef idx="2">
+        <a:scrgbClr r="0" g="0" b="0"/>
+      </a:effectRef>
+      <a:fontRef idx="minor">
+        <a:schemeClr val="lt1"/>
+      </a:fontRef>
+    </dgm:style>
+  </dgm:styleLbl>
+  <dgm:styleLbl name="parChTrans2D1">
+    <dgm:scene3d>
+      <a:camera prst="orthographicFront"/>
+      <a:lightRig rig="threePt" dir="t"/>
+    </dgm:scene3d>
+    <dgm:sp3d/>
+    <dgm:txPr/>
+    <dgm:style>
+      <a:lnRef idx="0">
+        <a:scrgbClr r="0" g="0" b="0"/>
+      </a:lnRef>
+      <a:fillRef idx="3">
+        <a:scrgbClr r="0" g="0" b="0"/>
+      </a:fillRef>
+      <a:effectRef idx="2">
+        <a:scrgbClr r="0" g="0" b="0"/>
+      </a:effectRef>
+      <a:fontRef idx="minor">
+        <a:schemeClr val="lt1"/>
+      </a:fontRef>
+    </dgm:style>
+  </dgm:styleLbl>
+  <dgm:styleLbl name="parChTrans2D2">
+    <dgm:scene3d>
+      <a:camera prst="orthographicFront"/>
+      <a:lightRig rig="threePt" dir="t"/>
+    </dgm:scene3d>
+    <dgm:sp3d/>
+    <dgm:txPr/>
+    <dgm:style>
+      <a:lnRef idx="0">
+        <a:scrgbClr r="0" g="0" b="0"/>
+      </a:lnRef>
+      <a:fillRef idx="3">
+        <a:scrgbClr r="0" g="0" b="0"/>
+      </a:fillRef>
+      <a:effectRef idx="2">
+        <a:scrgbClr r="0" g="0" b="0"/>
+      </a:effectRef>
+      <a:fontRef idx="minor">
+        <a:schemeClr val="lt1"/>
+      </a:fontRef>
+    </dgm:style>
+  </dgm:styleLbl>
+  <dgm:styleLbl name="parChTrans2D3">
+    <dgm:scene3d>
+      <a:camera prst="orthographicFront"/>
+      <a:lightRig rig="threePt" dir="t"/>
+    </dgm:scene3d>
+    <dgm:sp3d/>
+    <dgm:txPr/>
+    <dgm:style>
+      <a:lnRef idx="1">
+        <a:scrgbClr r="0" g="0" b="0"/>
+      </a:lnRef>
+      <a:fillRef idx="3">
+        <a:scrgbClr r="0" g="0" b="0"/>
+      </a:fillRef>
+      <a:effectRef idx="2">
+        <a:scrgbClr r="0" g="0" b="0"/>
+      </a:effectRef>
+      <a:fontRef idx="minor">
+        <a:schemeClr val="lt1"/>
+      </a:fontRef>
+    </dgm:style>
+  </dgm:styleLbl>
+  <dgm:styleLbl name="parChTrans2D4">
+    <dgm:scene3d>
+      <a:camera prst="orthographicFront"/>
+      <a:lightRig rig="threePt" dir="t"/>
+    </dgm:scene3d>
+    <dgm:sp3d/>
+    <dgm:txPr/>
+    <dgm:style>
+      <a:lnRef idx="1">
+        <a:scrgbClr r="0" g="0" b="0"/>
+      </a:lnRef>
+      <a:fillRef idx="3">
+        <a:scrgbClr r="0" g="0" b="0"/>
+      </a:fillRef>
+      <a:effectRef idx="2">
+        <a:scrgbClr r="0" g="0" b="0"/>
+      </a:effectRef>
+      <a:fontRef idx="minor">
+        <a:schemeClr val="lt1"/>
+      </a:fontRef>
+    </dgm:style>
+  </dgm:styleLbl>
+  <dgm:styleLbl name="parChTrans1D1">
+    <dgm:scene3d>
+      <a:camera prst="orthographicFront"/>
+      <a:lightRig rig="threePt" dir="t"/>
+    </dgm:scene3d>
+    <dgm:sp3d/>
+    <dgm:txPr/>
+    <dgm:style>
+      <a:lnRef idx="1">
+        <a:scrgbClr r="0" g="0" b="0"/>
+      </a:lnRef>
+      <a:fillRef idx="0">
+        <a:scrgbClr r="0" g="0" b="0"/>
+      </a:fillRef>
+      <a:effectRef idx="0">
+        <a:scrgbClr r="0" g="0" b="0"/>
+      </a:effectRef>
+      <a:fontRef idx="minor"/>
+    </dgm:style>
+  </dgm:styleLbl>
+  <dgm:styleLbl name="parChTrans1D2">
+    <dgm:scene3d>
+      <a:camera prst="orthographicFront"/>
+      <a:lightRig rig="threePt" dir="t"/>
+    </dgm:scene3d>
+    <dgm:sp3d/>
+    <dgm:txPr/>
+    <dgm:style>
+      <a:lnRef idx="1">
+        <a:scrgbClr r="0" g="0" b="0"/>
+      </a:lnRef>
+      <a:fillRef idx="0">
+        <a:scrgbClr r="0" g="0" b="0"/>
+      </a:fillRef>
+      <a:effectRef idx="0">
+        <a:scrgbClr r="0" g="0" b="0"/>
+      </a:effectRef>
+      <a:fontRef idx="minor"/>
+    </dgm:style>
+  </dgm:styleLbl>
+  <dgm:styleLbl name="parChTrans1D3">
+    <dgm:scene3d>
+      <a:camera prst="orthographicFront"/>
+      <a:lightRig rig="threePt" dir="t"/>
+    </dgm:scene3d>
+    <dgm:sp3d/>
+    <dgm:txPr/>
+    <dgm:style>
+      <a:lnRef idx="1">
+        <a:scrgbClr r="0" g="0" b="0"/>
+      </a:lnRef>
+      <a:fillRef idx="0">
+        <a:scrgbClr r="0" g="0" b="0"/>
+      </a:fillRef>
+      <a:effectRef idx="0">
+        <a:scrgbClr r="0" g="0" b="0"/>
+      </a:effectRef>
+      <a:fontRef idx="minor"/>
+    </dgm:style>
+  </dgm:styleLbl>
+  <dgm:styleLbl name="parChTrans1D4">
+    <dgm:scene3d>
+      <a:camera prst="orthographicFront"/>
+      <a:lightRig rig="threePt" dir="t"/>
+    </dgm:scene3d>
+    <dgm:sp3d/>
+    <dgm:txPr/>
+    <dgm:style>
+      <a:lnRef idx="1">
+        <a:scrgbClr r="0" g="0" b="0"/>
+      </a:lnRef>
+      <a:fillRef idx="0">
+        <a:scrgbClr r="0" g="0" b="0"/>
+      </a:fillRef>
+      <a:effectRef idx="0">
+        <a:scrgbClr r="0" g="0" b="0"/>
+      </a:effectRef>
+      <a:fontRef idx="minor"/>
+    </dgm:style>
+  </dgm:styleLbl>
+  <dgm:styleLbl name="fgAcc1">
+    <dgm:scene3d>
+      <a:camera prst="orthographicFront"/>
+      <a:lightRig rig="threePt" dir="t"/>
+    </dgm:scene3d>
+    <dgm:sp3d/>
+    <dgm:txPr/>
+    <dgm:style>
+      <a:lnRef idx="1">
+        <a:scrgbClr r="0" g="0" b="0"/>
+      </a:lnRef>
+      <a:fillRef idx="1">
+        <a:scrgbClr r="0" g="0" b="0"/>
+      </a:fillRef>
+      <a:effectRef idx="0">
+        <a:scrgbClr r="0" g="0" b="0"/>
+      </a:effectRef>
+      <a:fontRef idx="minor"/>
+    </dgm:style>
+  </dgm:styleLbl>
+  <dgm:styleLbl name="conFgAcc1">
+    <dgm:scene3d>
+      <a:camera prst="orthographicFront"/>
+      <a:lightRig rig="threePt" dir="t"/>
+    </dgm:scene3d>
+    <dgm:sp3d/>
+    <dgm:txPr/>
+    <dgm:style>
+      <a:lnRef idx="1">
+        <a:scrgbClr r="0" g="0" b="0"/>
+      </a:lnRef>
+      <a:fillRef idx="1">
+        <a:scrgbClr r="0" g="0" b="0"/>
+      </a:fillRef>
+      <a:effectRef idx="0">
+        <a:scrgbClr r="0" g="0" b="0"/>
+      </a:effectRef>
+      <a:fontRef idx="minor"/>
+    </dgm:style>
+  </dgm:styleLbl>
+  <dgm:styleLbl name="alignAcc1">
+    <dgm:scene3d>
+      <a:camera prst="orthographicFront"/>
+      <a:lightRig rig="threePt" dir="t"/>
+    </dgm:scene3d>
+    <dgm:sp3d/>
+    <dgm:txPr/>
+    <dgm:style>
+      <a:lnRef idx="1">
+        <a:scrgbClr r="0" g="0" b="0"/>
+      </a:lnRef>
+      <a:fillRef idx="1">
+        <a:scrgbClr r="0" g="0" b="0"/>
+      </a:fillRef>
+      <a:effectRef idx="0">
+        <a:scrgbClr r="0" g="0" b="0"/>
+      </a:effectRef>
+      <a:fontRef idx="minor"/>
+    </dgm:style>
+  </dgm:styleLbl>
+  <dgm:styleLbl name="trAlignAcc1">
+    <dgm:scene3d>
+      <a:camera prst="orthographicFront"/>
+      <a:lightRig rig="threePt" dir="t"/>
+    </dgm:scene3d>
+    <dgm:sp3d/>
+    <dgm:txPr/>
+    <dgm:style>
+      <a:lnRef idx="1">
+        <a:scrgbClr r="0" g="0" b="0"/>
+      </a:lnRef>
+      <a:fillRef idx="1">
+        <a:scrgbClr r="0" g="0" b="0"/>
+      </a:fillRef>
+      <a:effectRef idx="0">
+        <a:scrgbClr r="0" g="0" b="0"/>
+      </a:effectRef>
+      <a:fontRef idx="minor"/>
+    </dgm:style>
+  </dgm:styleLbl>
+  <dgm:styleLbl name="bgAcc1">
+    <dgm:scene3d>
+      <a:camera prst="orthographicFront"/>
+      <a:lightRig rig="threePt" dir="t"/>
+    </dgm:scene3d>
+    <dgm:sp3d/>
+    <dgm:txPr/>
+    <dgm:style>
+      <a:lnRef idx="1">
+        <a:scrgbClr r="0" g="0" b="0"/>
+      </a:lnRef>
+      <a:fillRef idx="1">
+        <a:scrgbClr r="0" g="0" b="0"/>
+      </a:fillRef>
+      <a:effectRef idx="0">
+        <a:scrgbClr r="0" g="0" b="0"/>
+      </a:effectRef>
+      <a:fontRef idx="minor"/>
+    </dgm:style>
+  </dgm:styleLbl>
+  <dgm:styleLbl name="solidFgAcc1">
+    <dgm:scene3d>
+      <a:camera prst="orthographicFront"/>
+      <a:lightRig rig="threePt" dir="t"/>
+    </dgm:scene3d>
+    <dgm:sp3d/>
+    <dgm:txPr/>
+    <dgm:style>
+      <a:lnRef idx="1">
+        <a:scrgbClr r="0" g="0" b="0"/>
+      </a:lnRef>
+      <a:fillRef idx="1">
+        <a:scrgbClr r="0" g="0" b="0"/>
+      </a:fillRef>
+      <a:effectRef idx="0">
+        <a:scrgbClr r="0" g="0" b="0"/>
+      </a:effectRef>
+      <a:fontRef idx="minor"/>
+    </dgm:style>
+  </dgm:styleLbl>
+  <dgm:styleLbl name="solidAlignAcc1">
+    <dgm:scene3d>
+      <a:camera prst="orthographicFront"/>
+      <a:lightRig rig="threePt" dir="t"/>
+    </dgm:scene3d>
+    <dgm:sp3d/>
+    <dgm:txPr/>
+    <dgm:style>
+      <a:lnRef idx="1">
+        <a:scrgbClr r="0" g="0" b="0"/>
+      </a:lnRef>
+      <a:fillRef idx="1">
+        <a:scrgbClr r="0" g="0" b="0"/>
+      </a:fillRef>
+      <a:effectRef idx="0">
+        <a:scrgbClr r="0" g="0" b="0"/>
+      </a:effectRef>
+      <a:fontRef idx="minor"/>
+    </dgm:style>
+  </dgm:styleLbl>
+  <dgm:styleLbl name="solidBgAcc1">
+    <dgm:scene3d>
+      <a:camera prst="orthographicFront"/>
+      <a:lightRig rig="threePt" dir="t"/>
+    </dgm:scene3d>
+    <dgm:sp3d/>
+    <dgm:txPr/>
+    <dgm:style>
+      <a:lnRef idx="1">
+        <a:scrgbClr r="0" g="0" b="0"/>
+      </a:lnRef>
+      <a:fillRef idx="1">
+        <a:scrgbClr r="0" g="0" b="0"/>
+      </a:fillRef>
+      <a:effectRef idx="0">
+        <a:scrgbClr r="0" g="0" b="0"/>
+      </a:effectRef>
+      <a:fontRef idx="minor"/>
+    </dgm:style>
+  </dgm:styleLbl>
+  <dgm:styleLbl name="fgAccFollowNode1">
+    <dgm:scene3d>
+      <a:camera prst="orthographicFront"/>
+      <a:lightRig rig="threePt" dir="t"/>
+    </dgm:scene3d>
+    <dgm:sp3d/>
+    <dgm:txPr/>
+    <dgm:style>
+      <a:lnRef idx="1">
+        <a:scrgbClr r="0" g="0" b="0"/>
+      </a:lnRef>
+      <a:fillRef idx="1">
+        <a:scrgbClr r="0" g="0" b="0"/>
+      </a:fillRef>
+      <a:effectRef idx="0">
+        <a:scrgbClr r="0" g="0" b="0"/>
+      </a:effectRef>
+      <a:fontRef idx="minor"/>
+    </dgm:style>
+  </dgm:styleLbl>
+  <dgm:styleLbl name="alignAccFollowNode1">
+    <dgm:scene3d>
+      <a:camera prst="orthographicFront"/>
+      <a:lightRig rig="threePt" dir="t"/>
+    </dgm:scene3d>
+    <dgm:sp3d/>
+    <dgm:txPr/>
+    <dgm:style>
+      <a:lnRef idx="1">
+        <a:scrgbClr r="0" g="0" b="0"/>
+      </a:lnRef>
+      <a:fillRef idx="1">
+        <a:scrgbClr r="0" g="0" b="0"/>
+      </a:fillRef>
+      <a:effectRef idx="0">
+        <a:scrgbClr r="0" g="0" b="0"/>
+      </a:effectRef>
+      <a:fontRef idx="minor"/>
+    </dgm:style>
+  </dgm:styleLbl>
+  <dgm:styleLbl name="bgAccFollowNode1">
+    <dgm:scene3d>
+      <a:camera prst="orthographicFront"/>
+      <a:lightRig rig="threePt" dir="t"/>
+    </dgm:scene3d>
+    <dgm:sp3d/>
+    <dgm:txPr/>
+    <dgm:style>
+      <a:lnRef idx="1">
+        <a:scrgbClr r="0" g="0" b="0"/>
+      </a:lnRef>
+      <a:fillRef idx="1">
+        <a:scrgbClr r="0" g="0" b="0"/>
+      </a:fillRef>
+      <a:effectRef idx="0">
+        <a:scrgbClr r="0" g="0" b="0"/>
+      </a:effectRef>
+      <a:fontRef idx="minor"/>
+    </dgm:style>
+  </dgm:styleLbl>
+  <dgm:styleLbl name="fgAcc0">
+    <dgm:scene3d>
+      <a:camera prst="orthographicFront"/>
+      <a:lightRig rig="threePt" dir="t"/>
+    </dgm:scene3d>
+    <dgm:sp3d/>
+    <dgm:txPr/>
+    <dgm:style>
+      <a:lnRef idx="1">
+        <a:scrgbClr r="0" g="0" b="0"/>
+      </a:lnRef>
+      <a:fillRef idx="1">
+        <a:scrgbClr r="0" g="0" b="0"/>
+      </a:fillRef>
+      <a:effectRef idx="0">
+        <a:scrgbClr r="0" g="0" b="0"/>
+      </a:effectRef>
+      <a:fontRef idx="minor"/>
+    </dgm:style>
+  </dgm:styleLbl>
+  <dgm:styleLbl name="fgAcc2">
+    <dgm:scene3d>
+      <a:camera prst="orthographicFront"/>
+      <a:lightRig rig="threePt" dir="t"/>
+    </dgm:scene3d>
+    <dgm:sp3d/>
+    <dgm:txPr/>
+    <dgm:style>
+      <a:lnRef idx="1">
+        <a:scrgbClr r="0" g="0" b="0"/>
+      </a:lnRef>
+      <a:fillRef idx="1">
+        <a:scrgbClr r="0" g="0" b="0"/>
+      </a:fillRef>
+      <a:effectRef idx="0">
+        <a:scrgbClr r="0" g="0" b="0"/>
+      </a:effectRef>
+      <a:fontRef idx="minor"/>
+    </dgm:style>
+  </dgm:styleLbl>
+  <dgm:styleLbl name="fgAcc3">
+    <dgm:scene3d>
+      <a:camera prst="orthographicFront"/>
+      <a:lightRig rig="threePt" dir="t"/>
+    </dgm:scene3d>
+    <dgm:sp3d/>
+    <dgm:txPr/>
+    <dgm:style>
+      <a:lnRef idx="1">
+        <a:scrgbClr r="0" g="0" b="0"/>
+      </a:lnRef>
+      <a:fillRef idx="1">
+        <a:scrgbClr r="0" g="0" b="0"/>
+      </a:fillRef>
+      <a:effectRef idx="0">
+        <a:scrgbClr r="0" g="0" b="0"/>
+      </a:effectRef>
+      <a:fontRef idx="minor"/>
+    </dgm:style>
+  </dgm:styleLbl>
+  <dgm:styleLbl name="fgAcc4">
+    <dgm:scene3d>
+      <a:camera prst="orthographicFront"/>
+      <a:lightRig rig="threePt" dir="t"/>
+    </dgm:scene3d>
+    <dgm:sp3d/>
+    <dgm:txPr/>
+    <dgm:style>
+      <a:lnRef idx="1">
+        <a:scrgbClr r="0" g="0" b="0"/>
+      </a:lnRef>
+      <a:fillRef idx="1">
+        <a:scrgbClr r="0" g="0" b="0"/>
+      </a:fillRef>
+      <a:effectRef idx="0">
+        <a:scrgbClr r="0" g="0" b="0"/>
+      </a:effectRef>
+      <a:fontRef idx="minor"/>
+    </dgm:style>
+  </dgm:styleLbl>
+  <dgm:styleLbl name="bgShp">
+    <dgm:scene3d>
+      <a:camera prst="orthographicFront"/>
+      <a:lightRig rig="threePt" dir="t"/>
+    </dgm:scene3d>
+    <dgm:sp3d/>
+    <dgm:txPr/>
+    <dgm:style>
+      <a:lnRef idx="0">
+        <a:scrgbClr r="0" g="0" b="0"/>
+      </a:lnRef>
+      <a:fillRef idx="1">
+        <a:scrgbClr r="0" g="0" b="0"/>
+      </a:fillRef>
+      <a:effectRef idx="2">
+        <a:scrgbClr r="0" g="0" b="0"/>
+      </a:effectRef>
+      <a:fontRef idx="minor"/>
+    </dgm:style>
+  </dgm:styleLbl>
+  <dgm:styleLbl name="dkBgShp">
+    <dgm:scene3d>
+      <a:camera prst="orthographicFront"/>
+      <a:lightRig rig="threePt" dir="t"/>
+    </dgm:scene3d>
+    <dgm:sp3d/>
+    <dgm:txPr/>
+    <dgm:style>
+      <a:lnRef idx="0">
+        <a:scrgbClr r="0" g="0" b="0"/>
+      </a:lnRef>
+      <a:fillRef idx="1">
+        <a:scrgbClr r="0" g="0" b="0"/>
+      </a:fillRef>
+      <a:effectRef idx="2">
+        <a:scrgbClr r="0" g="0" b="0"/>
+      </a:effectRef>
+      <a:fontRef idx="minor"/>
+    </dgm:style>
+  </dgm:styleLbl>
+  <dgm:styleLbl name="trBgShp">
+    <dgm:scene3d>
+      <a:camera prst="orthographicFront"/>
+      <a:lightRig rig="threePt" dir="t"/>
+    </dgm:scene3d>
+    <dgm:sp3d/>
+    <dgm:txPr/>
+    <dgm:style>
+      <a:lnRef idx="0">
+        <a:scrgbClr r="0" g="0" b="0"/>
+      </a:lnRef>
+      <a:fillRef idx="1">
+        <a:scrgbClr r="0" g="0" b="0"/>
+      </a:fillRef>
+      <a:effectRef idx="0">
+        <a:scrgbClr r="0" g="0" b="0"/>
+      </a:effectRef>
+      <a:fontRef idx="minor"/>
+    </dgm:style>
+  </dgm:styleLbl>
+  <dgm:styleLbl name="fgShp">
+    <dgm:scene3d>
+      <a:camera prst="orthographicFront"/>
+      <a:lightRig rig="threePt" dir="t"/>
+    </dgm:scene3d>
+    <dgm:sp3d/>
+    <dgm:txPr/>
+    <dgm:style>
+      <a:lnRef idx="0">
+        <a:scrgbClr r="0" g="0" b="0"/>
+      </a:lnRef>
+      <a:fillRef idx="3">
+        <a:scrgbClr r="0" g="0" b="0"/>
+      </a:fillRef>
+      <a:effectRef idx="2">
+        <a:scrgbClr r="0" g="0" b="0"/>
+      </a:effectRef>
+      <a:fontRef idx="minor"/>
+    </dgm:style>
+  </dgm:styleLbl>
+  <dgm:styleLbl name="revTx">
+    <dgm:scene3d>
+      <a:camera prst="orthographicFront"/>
+      <a:lightRig rig="threePt" dir="t"/>
+    </dgm:scene3d>
+    <dgm:sp3d/>
+    <dgm:txPr/>
+    <dgm:style>
+      <a:lnRef idx="0">
+        <a:scrgbClr r="0" g="0" b="0"/>
+      </a:lnRef>
+      <a:fillRef idx="0">
+        <a:scrgbClr r="0" g="0" b="0"/>
+      </a:fillRef>
+      <a:effectRef idx="0">
+        <a:scrgbClr r="0" g="0" b="0"/>
+      </a:effectRef>
+      <a:fontRef idx="minor"/>
+    </dgm:style>
+  </dgm:styleLbl>
+</dgm:styleDef>
 </file>
 
 <file path=ppt/slideLayouts/slideLayout1.xml><?xml version="1.0" encoding="utf-8"?>
@@ -13881,6 +16268,625 @@
   <p:clrMapOvr>
     <a:masterClrMapping/>
   </p:clrMapOvr>
+  <p:timing>
+    <p:tnLst>
+      <p:par>
+        <p:cTn xmlns:p14="http://schemas.microsoft.com/office/powerpoint/2010/main" id="1" dur="indefinite" restart="never" nodeType="tmRoot"/>
+      </p:par>
+    </p:tnLst>
+  </p:timing>
+</p:sld>
+</file>
+
+<file path=ppt/slides/slide10.xml><?xml version="1.0" encoding="utf-8"?>
+<p:sld xmlns:a="http://schemas.openxmlformats.org/drawingml/2006/main" xmlns:r="http://schemas.openxmlformats.org/officeDocument/2006/relationships" xmlns:p="http://schemas.openxmlformats.org/presentationml/2006/main">
+  <p:cSld>
+    <p:spTree>
+      <p:nvGrpSpPr>
+        <p:cNvPr id="1" name=""/>
+        <p:cNvGrpSpPr/>
+        <p:nvPr/>
+      </p:nvGrpSpPr>
+      <p:grpSpPr>
+        <a:xfrm>
+          <a:off x="0" y="0"/>
+          <a:ext cx="0" cy="0"/>
+          <a:chOff x="0" y="0"/>
+          <a:chExt cx="0" cy="0"/>
+        </a:xfrm>
+      </p:grpSpPr>
+      <p:sp>
+        <p:nvSpPr>
+          <p:cNvPr id="2" name="Title 1"/>
+          <p:cNvSpPr>
+            <a:spLocks noGrp="1"/>
+          </p:cNvSpPr>
+          <p:nvPr>
+            <p:ph type="title"/>
+          </p:nvPr>
+        </p:nvSpPr>
+        <p:spPr/>
+        <p:txBody>
+          <a:bodyPr/>
+          <a:lstStyle/>
+          <a:p>
+            <a:r>
+              <a:rPr lang="en-US" dirty="0" smtClean="0"/>
+              <a:t>The Player</a:t>
+            </a:r>
+            <a:endParaRPr lang="en-US" dirty="0"/>
+          </a:p>
+        </p:txBody>
+      </p:sp>
+      <p:sp>
+        <p:nvSpPr>
+          <p:cNvPr id="3" name="Content Placeholder 2"/>
+          <p:cNvSpPr>
+            <a:spLocks noGrp="1"/>
+          </p:cNvSpPr>
+          <p:nvPr>
+            <p:ph idx="1"/>
+          </p:nvPr>
+        </p:nvSpPr>
+        <p:spPr/>
+        <p:txBody>
+          <a:bodyPr/>
+          <a:lstStyle/>
+          <a:p>
+            <a:r>
+              <a:rPr lang="en-US" dirty="0" smtClean="0"/>
+              <a:t>Total Health (in Credits)</a:t>
+            </a:r>
+          </a:p>
+          <a:p>
+            <a:r>
+              <a:rPr lang="en-US" dirty="0" smtClean="0"/>
+              <a:t>Wildcat Points (resource)</a:t>
+            </a:r>
+          </a:p>
+        </p:txBody>
+      </p:sp>
+      <p:pic>
+        <p:nvPicPr>
+          <p:cNvPr id="4" name="Picture 3" descr="Screen Shot 2014-05-27 at 7.12.47 PM.png"/>
+          <p:cNvPicPr>
+            <a:picLocks noChangeAspect="1"/>
+          </p:cNvPicPr>
+          <p:nvPr/>
+        </p:nvPicPr>
+        <p:blipFill>
+          <a:blip r:embed="rId2">
+            <a:extLst>
+              <a:ext uri="{28A0092B-C50C-407E-A947-70E740481C1C}">
+                <a14:useLocalDpi xmlns:a14="http://schemas.microsoft.com/office/drawing/2010/main" val="0"/>
+              </a:ext>
+            </a:extLst>
+          </a:blip>
+          <a:stretch>
+            <a:fillRect/>
+          </a:stretch>
+        </p:blipFill>
+        <p:spPr>
+          <a:xfrm>
+            <a:off x="6157129" y="1180573"/>
+            <a:ext cx="952566" cy="1143079"/>
+          </a:xfrm>
+          <a:prstGeom prst="rect">
+            <a:avLst/>
+          </a:prstGeom>
+        </p:spPr>
+      </p:pic>
+      <p:pic>
+        <p:nvPicPr>
+          <p:cNvPr id="5" name="Picture 4" descr="Screen Shot 2014-05-27 at 7.31.03 PM.png"/>
+          <p:cNvPicPr>
+            <a:picLocks noChangeAspect="1"/>
+          </p:cNvPicPr>
+          <p:nvPr/>
+        </p:nvPicPr>
+        <p:blipFill>
+          <a:blip r:embed="rId3">
+            <a:extLst>
+              <a:ext uri="{28A0092B-C50C-407E-A947-70E740481C1C}">
+                <a14:useLocalDpi xmlns:a14="http://schemas.microsoft.com/office/drawing/2010/main" val="0"/>
+              </a:ext>
+            </a:extLst>
+          </a:blip>
+          <a:stretch>
+            <a:fillRect/>
+          </a:stretch>
+        </p:blipFill>
+        <p:spPr>
+          <a:xfrm>
+            <a:off x="977900" y="3383612"/>
+            <a:ext cx="7163297" cy="2463971"/>
+          </a:xfrm>
+          <a:prstGeom prst="rect">
+            <a:avLst/>
+          </a:prstGeom>
+        </p:spPr>
+      </p:pic>
+    </p:spTree>
+    <p:extLst>
+      <p:ext uri="{BB962C8B-B14F-4D97-AF65-F5344CB8AC3E}">
+        <p14:creationId xmlns:p14="http://schemas.microsoft.com/office/powerpoint/2010/main" val="3813946324"/>
+      </p:ext>
+    </p:extLst>
+  </p:cSld>
+  <p:clrMapOvr>
+    <a:masterClrMapping/>
+  </p:clrMapOvr>
+  <p:timing>
+    <p:tnLst>
+      <p:par>
+        <p:cTn xmlns:p14="http://schemas.microsoft.com/office/powerpoint/2010/main" id="1" dur="indefinite" restart="never" nodeType="tmRoot"/>
+      </p:par>
+    </p:tnLst>
+  </p:timing>
+</p:sld>
+</file>
+
+<file path=ppt/slides/slide11.xml><?xml version="1.0" encoding="utf-8"?>
+<p:sld xmlns:a="http://schemas.openxmlformats.org/drawingml/2006/main" xmlns:r="http://schemas.openxmlformats.org/officeDocument/2006/relationships" xmlns:p="http://schemas.openxmlformats.org/presentationml/2006/main">
+  <p:cSld>
+    <p:spTree>
+      <p:nvGrpSpPr>
+        <p:cNvPr id="1" name=""/>
+        <p:cNvGrpSpPr/>
+        <p:nvPr/>
+      </p:nvGrpSpPr>
+      <p:grpSpPr>
+        <a:xfrm>
+          <a:off x="0" y="0"/>
+          <a:ext cx="0" cy="0"/>
+          <a:chOff x="0" y="0"/>
+          <a:chExt cx="0" cy="0"/>
+        </a:xfrm>
+      </p:grpSpPr>
+      <p:sp>
+        <p:nvSpPr>
+          <p:cNvPr id="2" name="Title 1"/>
+          <p:cNvSpPr>
+            <a:spLocks noGrp="1"/>
+          </p:cNvSpPr>
+          <p:nvPr>
+            <p:ph type="title"/>
+          </p:nvPr>
+        </p:nvSpPr>
+        <p:spPr>
+          <a:xfrm>
+            <a:off x="1043490" y="65441"/>
+            <a:ext cx="7024744" cy="1143000"/>
+          </a:xfrm>
+        </p:spPr>
+        <p:txBody>
+          <a:bodyPr/>
+          <a:lstStyle/>
+          <a:p>
+            <a:r>
+              <a:rPr lang="en-US" dirty="0" smtClean="0"/>
+              <a:t>Game Board</a:t>
+            </a:r>
+            <a:endParaRPr lang="en-US" dirty="0"/>
+          </a:p>
+        </p:txBody>
+      </p:sp>
+      <p:pic>
+        <p:nvPicPr>
+          <p:cNvPr id="5" name="Picture 4" descr="Screen Shot 2014-05-27 at 7.11.25 PM.png"/>
+          <p:cNvPicPr>
+            <a:picLocks noChangeAspect="1"/>
+          </p:cNvPicPr>
+          <p:nvPr/>
+        </p:nvPicPr>
+        <p:blipFill>
+          <a:blip r:embed="rId2">
+            <a:extLst>
+              <a:ext uri="{28A0092B-C50C-407E-A947-70E740481C1C}">
+                <a14:useLocalDpi xmlns:a14="http://schemas.microsoft.com/office/drawing/2010/main" val="0"/>
+              </a:ext>
+            </a:extLst>
+          </a:blip>
+          <a:stretch>
+            <a:fillRect/>
+          </a:stretch>
+        </p:blipFill>
+        <p:spPr>
+          <a:xfrm>
+            <a:off x="883356" y="1208441"/>
+            <a:ext cx="7624473" cy="5093695"/>
+          </a:xfrm>
+          <a:prstGeom prst="rect">
+            <a:avLst/>
+          </a:prstGeom>
+        </p:spPr>
+      </p:pic>
+    </p:spTree>
+    <p:extLst>
+      <p:ext uri="{BB962C8B-B14F-4D97-AF65-F5344CB8AC3E}">
+        <p14:creationId xmlns:p14="http://schemas.microsoft.com/office/powerpoint/2010/main" val="2291484339"/>
+      </p:ext>
+    </p:extLst>
+  </p:cSld>
+  <p:clrMapOvr>
+    <a:masterClrMapping/>
+  </p:clrMapOvr>
+  <p:timing>
+    <p:tnLst>
+      <p:par>
+        <p:cTn xmlns:p14="http://schemas.microsoft.com/office/powerpoint/2010/main" id="1" dur="indefinite" restart="never" nodeType="tmRoot"/>
+      </p:par>
+    </p:tnLst>
+  </p:timing>
+</p:sld>
+</file>
+
+<file path=ppt/slides/slide12.xml><?xml version="1.0" encoding="utf-8"?>
+<p:sld xmlns:a="http://schemas.openxmlformats.org/drawingml/2006/main" xmlns:r="http://schemas.openxmlformats.org/officeDocument/2006/relationships" xmlns:p="http://schemas.openxmlformats.org/presentationml/2006/main">
+  <p:cSld>
+    <p:spTree>
+      <p:nvGrpSpPr>
+        <p:cNvPr id="1" name=""/>
+        <p:cNvGrpSpPr/>
+        <p:nvPr/>
+      </p:nvGrpSpPr>
+      <p:grpSpPr>
+        <a:xfrm>
+          <a:off x="0" y="0"/>
+          <a:ext cx="0" cy="0"/>
+          <a:chOff x="0" y="0"/>
+          <a:chExt cx="0" cy="0"/>
+        </a:xfrm>
+      </p:grpSpPr>
+      <p:sp>
+        <p:nvSpPr>
+          <p:cNvPr id="2" name="Title 1"/>
+          <p:cNvSpPr>
+            <a:spLocks noGrp="1"/>
+          </p:cNvSpPr>
+          <p:nvPr>
+            <p:ph type="title"/>
+          </p:nvPr>
+        </p:nvSpPr>
+        <p:spPr/>
+        <p:txBody>
+          <a:bodyPr/>
+          <a:lstStyle/>
+          <a:p>
+            <a:r>
+              <a:rPr lang="en-US" dirty="0" smtClean="0"/>
+              <a:t>Chat Interface</a:t>
+            </a:r>
+            <a:endParaRPr lang="en-US" dirty="0"/>
+          </a:p>
+        </p:txBody>
+      </p:sp>
+      <p:sp>
+        <p:nvSpPr>
+          <p:cNvPr id="3" name="Content Placeholder 2"/>
+          <p:cNvSpPr>
+            <a:spLocks noGrp="1"/>
+          </p:cNvSpPr>
+          <p:nvPr>
+            <p:ph idx="1"/>
+          </p:nvPr>
+        </p:nvSpPr>
+        <p:spPr/>
+        <p:txBody>
+          <a:bodyPr/>
+          <a:lstStyle/>
+          <a:p>
+            <a:endParaRPr lang="en-US" dirty="0"/>
+          </a:p>
+        </p:txBody>
+      </p:sp>
+    </p:spTree>
+    <p:extLst>
+      <p:ext uri="{BB962C8B-B14F-4D97-AF65-F5344CB8AC3E}">
+        <p14:creationId xmlns:p14="http://schemas.microsoft.com/office/powerpoint/2010/main" val="4010606530"/>
+      </p:ext>
+    </p:extLst>
+  </p:cSld>
+  <p:clrMapOvr>
+    <a:masterClrMapping/>
+  </p:clrMapOvr>
+  <p:timing>
+    <p:tnLst>
+      <p:par>
+        <p:cTn xmlns:p14="http://schemas.microsoft.com/office/powerpoint/2010/main" id="1" dur="indefinite" restart="never" nodeType="tmRoot"/>
+      </p:par>
+    </p:tnLst>
+  </p:timing>
+</p:sld>
+</file>
+
+<file path=ppt/slides/slide13.xml><?xml version="1.0" encoding="utf-8"?>
+<p:sld xmlns:a="http://schemas.openxmlformats.org/drawingml/2006/main" xmlns:r="http://schemas.openxmlformats.org/officeDocument/2006/relationships" xmlns:p="http://schemas.openxmlformats.org/presentationml/2006/main">
+  <p:cSld>
+    <p:spTree>
+      <p:nvGrpSpPr>
+        <p:cNvPr id="1" name=""/>
+        <p:cNvGrpSpPr/>
+        <p:nvPr/>
+      </p:nvGrpSpPr>
+      <p:grpSpPr>
+        <a:xfrm>
+          <a:off x="0" y="0"/>
+          <a:ext cx="0" cy="0"/>
+          <a:chOff x="0" y="0"/>
+          <a:chExt cx="0" cy="0"/>
+        </a:xfrm>
+      </p:grpSpPr>
+      <p:sp>
+        <p:nvSpPr>
+          <p:cNvPr id="2" name="Title 1"/>
+          <p:cNvSpPr>
+            <a:spLocks noGrp="1"/>
+          </p:cNvSpPr>
+          <p:nvPr>
+            <p:ph type="title"/>
+          </p:nvPr>
+        </p:nvSpPr>
+        <p:spPr/>
+        <p:txBody>
+          <a:bodyPr/>
+          <a:lstStyle/>
+          <a:p>
+            <a:r>
+              <a:rPr lang="en-US" dirty="0" smtClean="0"/>
+              <a:t>Card Hierarchy</a:t>
+            </a:r>
+            <a:endParaRPr lang="en-US" dirty="0"/>
+          </a:p>
+        </p:txBody>
+      </p:sp>
+      <p:pic>
+        <p:nvPicPr>
+          <p:cNvPr id="10" name="Content Placeholder 9" descr="Screen Shot 2014-05-27 at 7.22.39 PM.png"/>
+          <p:cNvPicPr>
+            <a:picLocks noGrp="1" noChangeAspect="1"/>
+          </p:cNvPicPr>
+          <p:nvPr>
+            <p:ph idx="1"/>
+          </p:nvPr>
+        </p:nvPicPr>
+        <p:blipFill>
+          <a:blip r:embed="rId2">
+            <a:extLst>
+              <a:ext uri="{28A0092B-C50C-407E-A947-70E740481C1C}">
+                <a14:useLocalDpi xmlns:a14="http://schemas.microsoft.com/office/drawing/2010/main" val="0"/>
+              </a:ext>
+            </a:extLst>
+          </a:blip>
+          <a:srcRect t="1438" b="1438"/>
+          <a:stretch>
+            <a:fillRect/>
+          </a:stretch>
+        </p:blipFill>
+        <p:spPr>
+          <a:xfrm>
+            <a:off x="815554" y="2295497"/>
+            <a:ext cx="3561543" cy="1844000"/>
+          </a:xfrm>
+        </p:spPr>
+      </p:pic>
+      <p:pic>
+        <p:nvPicPr>
+          <p:cNvPr id="11" name="Picture 10" descr="Screen Shot 2014-05-27 at 7.23.40 PM.png"/>
+          <p:cNvPicPr>
+            <a:picLocks noChangeAspect="1"/>
+          </p:cNvPicPr>
+          <p:nvPr/>
+        </p:nvPicPr>
+        <p:blipFill>
+          <a:blip r:embed="rId3">
+            <a:extLst>
+              <a:ext uri="{28A0092B-C50C-407E-A947-70E740481C1C}">
+                <a14:useLocalDpi xmlns:a14="http://schemas.microsoft.com/office/drawing/2010/main" val="0"/>
+              </a:ext>
+            </a:extLst>
+          </a:blip>
+          <a:stretch>
+            <a:fillRect/>
+          </a:stretch>
+        </p:blipFill>
+        <p:spPr>
+          <a:xfrm>
+            <a:off x="2938878" y="4396612"/>
+            <a:ext cx="4673924" cy="1308191"/>
+          </a:xfrm>
+          <a:prstGeom prst="rect">
+            <a:avLst/>
+          </a:prstGeom>
+        </p:spPr>
+      </p:pic>
+    </p:spTree>
+    <p:extLst>
+      <p:ext uri="{BB962C8B-B14F-4D97-AF65-F5344CB8AC3E}">
+        <p14:creationId xmlns:p14="http://schemas.microsoft.com/office/powerpoint/2010/main" val="2686070784"/>
+      </p:ext>
+    </p:extLst>
+  </p:cSld>
+  <p:clrMapOvr>
+    <a:masterClrMapping/>
+  </p:clrMapOvr>
+  <p:timing>
+    <p:tnLst>
+      <p:par>
+        <p:cTn xmlns:p14="http://schemas.microsoft.com/office/powerpoint/2010/main" id="1" dur="indefinite" restart="never" nodeType="tmRoot"/>
+      </p:par>
+    </p:tnLst>
+  </p:timing>
+</p:sld>
+</file>
+
+<file path=ppt/slides/slide14.xml><?xml version="1.0" encoding="utf-8"?>
+<p:sld xmlns:a="http://schemas.openxmlformats.org/drawingml/2006/main" xmlns:r="http://schemas.openxmlformats.org/officeDocument/2006/relationships" xmlns:p="http://schemas.openxmlformats.org/presentationml/2006/main">
+  <p:cSld>
+    <p:spTree>
+      <p:nvGrpSpPr>
+        <p:cNvPr id="1" name=""/>
+        <p:cNvGrpSpPr/>
+        <p:nvPr/>
+      </p:nvGrpSpPr>
+      <p:grpSpPr>
+        <a:xfrm>
+          <a:off x="0" y="0"/>
+          <a:ext cx="0" cy="0"/>
+          <a:chOff x="0" y="0"/>
+          <a:chExt cx="0" cy="0"/>
+        </a:xfrm>
+      </p:grpSpPr>
+      <p:sp>
+        <p:nvSpPr>
+          <p:cNvPr id="2" name="Title 1"/>
+          <p:cNvSpPr>
+            <a:spLocks noGrp="1"/>
+          </p:cNvSpPr>
+          <p:nvPr>
+            <p:ph type="title"/>
+          </p:nvPr>
+        </p:nvSpPr>
+        <p:spPr>
+          <a:xfrm>
+            <a:off x="408518" y="787515"/>
+            <a:ext cx="7024744" cy="1143000"/>
+          </a:xfrm>
+        </p:spPr>
+        <p:txBody>
+          <a:bodyPr/>
+          <a:lstStyle/>
+          <a:p>
+            <a:r>
+              <a:rPr lang="en-US" dirty="0" smtClean="0"/>
+              <a:t>Deck</a:t>
+            </a:r>
+            <a:endParaRPr lang="en-US" dirty="0"/>
+          </a:p>
+        </p:txBody>
+      </p:sp>
+      <p:pic>
+        <p:nvPicPr>
+          <p:cNvPr id="4" name="Picture 3" descr="Screen Shot 2014-05-27 at 7.25.09 PM.png"/>
+          <p:cNvPicPr>
+            <a:picLocks noChangeAspect="1"/>
+          </p:cNvPicPr>
+          <p:nvPr/>
+        </p:nvPicPr>
+        <p:blipFill>
+          <a:blip r:embed="rId2">
+            <a:extLst>
+              <a:ext uri="{28A0092B-C50C-407E-A947-70E740481C1C}">
+                <a14:useLocalDpi xmlns:a14="http://schemas.microsoft.com/office/drawing/2010/main" val="0"/>
+              </a:ext>
+            </a:extLst>
+          </a:blip>
+          <a:stretch>
+            <a:fillRect/>
+          </a:stretch>
+        </p:blipFill>
+        <p:spPr>
+          <a:xfrm>
+            <a:off x="1856071" y="787515"/>
+            <a:ext cx="6416477" cy="5040767"/>
+          </a:xfrm>
+          <a:prstGeom prst="rect">
+            <a:avLst/>
+          </a:prstGeom>
+        </p:spPr>
+      </p:pic>
+    </p:spTree>
+    <p:extLst>
+      <p:ext uri="{BB962C8B-B14F-4D97-AF65-F5344CB8AC3E}">
+        <p14:creationId xmlns:p14="http://schemas.microsoft.com/office/powerpoint/2010/main" val="2436288484"/>
+      </p:ext>
+    </p:extLst>
+  </p:cSld>
+  <p:clrMapOvr>
+    <a:masterClrMapping/>
+  </p:clrMapOvr>
+  <p:timing>
+    <p:tnLst>
+      <p:par>
+        <p:cTn xmlns:p14="http://schemas.microsoft.com/office/powerpoint/2010/main" id="1" dur="indefinite" restart="never" nodeType="tmRoot"/>
+      </p:par>
+    </p:tnLst>
+  </p:timing>
+</p:sld>
+</file>
+
+<file path=ppt/slides/slide15.xml><?xml version="1.0" encoding="utf-8"?>
+<p:sld xmlns:a="http://schemas.openxmlformats.org/drawingml/2006/main" xmlns:r="http://schemas.openxmlformats.org/officeDocument/2006/relationships" xmlns:p="http://schemas.openxmlformats.org/presentationml/2006/main">
+  <p:cSld>
+    <p:spTree>
+      <p:nvGrpSpPr>
+        <p:cNvPr id="1" name=""/>
+        <p:cNvGrpSpPr/>
+        <p:nvPr/>
+      </p:nvGrpSpPr>
+      <p:grpSpPr>
+        <a:xfrm>
+          <a:off x="0" y="0"/>
+          <a:ext cx="0" cy="0"/>
+          <a:chOff x="0" y="0"/>
+          <a:chExt cx="0" cy="0"/>
+        </a:xfrm>
+      </p:grpSpPr>
+      <p:sp>
+        <p:nvSpPr>
+          <p:cNvPr id="2" name="Title 1"/>
+          <p:cNvSpPr>
+            <a:spLocks noGrp="1"/>
+          </p:cNvSpPr>
+          <p:nvPr>
+            <p:ph type="title"/>
+          </p:nvPr>
+        </p:nvSpPr>
+        <p:spPr/>
+        <p:txBody>
+          <a:bodyPr/>
+          <a:lstStyle/>
+          <a:p>
+            <a:endParaRPr lang="en-US"/>
+          </a:p>
+        </p:txBody>
+      </p:sp>
+      <p:sp>
+        <p:nvSpPr>
+          <p:cNvPr id="3" name="Content Placeholder 2"/>
+          <p:cNvSpPr>
+            <a:spLocks noGrp="1"/>
+          </p:cNvSpPr>
+          <p:nvPr>
+            <p:ph idx="1"/>
+          </p:nvPr>
+        </p:nvSpPr>
+        <p:spPr/>
+        <p:txBody>
+          <a:bodyPr/>
+          <a:lstStyle/>
+          <a:p>
+            <a:endParaRPr lang="en-US"/>
+          </a:p>
+        </p:txBody>
+      </p:sp>
+    </p:spTree>
+    <p:extLst>
+      <p:ext uri="{BB962C8B-B14F-4D97-AF65-F5344CB8AC3E}">
+        <p14:creationId xmlns:p14="http://schemas.microsoft.com/office/powerpoint/2010/main" val="3525977333"/>
+      </p:ext>
+    </p:extLst>
+  </p:cSld>
+  <p:clrMapOvr>
+    <a:masterClrMapping/>
+  </p:clrMapOvr>
+  <p:timing>
+    <p:tnLst>
+      <p:par>
+        <p:cTn xmlns:p14="http://schemas.microsoft.com/office/powerpoint/2010/main" id="1" dur="indefinite" restart="never" nodeType="tmRoot"/>
+      </p:par>
+    </p:tnLst>
+  </p:timing>
 </p:sld>
 </file>
 
@@ -13975,6 +16981,13 @@
   <p:clrMapOvr>
     <a:masterClrMapping/>
   </p:clrMapOvr>
+  <p:timing>
+    <p:tnLst>
+      <p:par>
+        <p:cTn xmlns:p14="http://schemas.microsoft.com/office/powerpoint/2010/main" id="1" dur="indefinite" restart="never" nodeType="tmRoot"/>
+      </p:par>
+    </p:tnLst>
+  </p:timing>
 </p:sld>
 </file>
 
@@ -14097,6 +17110,13 @@
   <p:clrMapOvr>
     <a:masterClrMapping/>
   </p:clrMapOvr>
+  <p:timing>
+    <p:tnLst>
+      <p:par>
+        <p:cTn xmlns:p14="http://schemas.microsoft.com/office/powerpoint/2010/main" id="1" dur="indefinite" restart="never" nodeType="tmRoot"/>
+      </p:par>
+    </p:tnLst>
+  </p:timing>
 </p:sld>
 </file>
 
@@ -14215,6 +17235,13 @@
   <p:clrMapOvr>
     <a:masterClrMapping/>
   </p:clrMapOvr>
+  <p:timing>
+    <p:tnLst>
+      <p:par>
+        <p:cTn xmlns:p14="http://schemas.microsoft.com/office/powerpoint/2010/main" id="1" dur="indefinite" restart="never" nodeType="tmRoot"/>
+      </p:par>
+    </p:tnLst>
+  </p:timing>
 </p:sld>
 </file>
 
@@ -14333,6 +17360,13 @@
   <p:clrMapOvr>
     <a:masterClrMapping/>
   </p:clrMapOvr>
+  <p:timing>
+    <p:tnLst>
+      <p:par>
+        <p:cTn xmlns:p14="http://schemas.microsoft.com/office/powerpoint/2010/main" id="1" dur="indefinite" restart="never" nodeType="tmRoot"/>
+      </p:par>
+    </p:tnLst>
+  </p:timing>
 </p:sld>
 </file>
 
@@ -14451,6 +17485,13 @@
   <p:clrMapOvr>
     <a:masterClrMapping/>
   </p:clrMapOvr>
+  <p:timing>
+    <p:tnLst>
+      <p:par>
+        <p:cTn xmlns:p14="http://schemas.microsoft.com/office/powerpoint/2010/main" id="1" dur="indefinite" restart="never" nodeType="tmRoot"/>
+      </p:par>
+    </p:tnLst>
+  </p:timing>
 </p:sld>
 </file>
 
@@ -14568,8 +17609,38 @@
         </p:blipFill>
         <p:spPr>
           <a:xfrm>
-            <a:off x="5703351" y="2323652"/>
+            <a:off x="5980133" y="744480"/>
             <a:ext cx="2364883" cy="3644958"/>
+          </a:xfrm>
+          <a:prstGeom prst="rect">
+            <a:avLst/>
+          </a:prstGeom>
+        </p:spPr>
+      </p:pic>
+      <p:pic>
+        <p:nvPicPr>
+          <p:cNvPr id="5" name="Picture 4" descr="Screen Shot 2014-05-27 at 7.19.59 PM.png"/>
+          <p:cNvPicPr>
+            <a:picLocks noChangeAspect="1"/>
+          </p:cNvPicPr>
+          <p:nvPr/>
+        </p:nvPicPr>
+        <p:blipFill>
+          <a:blip r:embed="rId3">
+            <a:extLst>
+              <a:ext uri="{28A0092B-C50C-407E-A947-70E740481C1C}">
+                <a14:useLocalDpi xmlns:a14="http://schemas.microsoft.com/office/drawing/2010/main" val="0"/>
+              </a:ext>
+            </a:extLst>
+          </a:blip>
+          <a:stretch>
+            <a:fillRect/>
+          </a:stretch>
+        </p:blipFill>
+        <p:spPr>
+          <a:xfrm>
+            <a:off x="709031" y="4884035"/>
+            <a:ext cx="7111778" cy="1508111"/>
           </a:xfrm>
           <a:prstGeom prst="rect">
             <a:avLst/>
@@ -14586,6 +17657,13 @@
   <p:clrMapOvr>
     <a:masterClrMapping/>
   </p:clrMapOvr>
+  <p:timing>
+    <p:tnLst>
+      <p:par>
+        <p:cTn xmlns:p14="http://schemas.microsoft.com/office/powerpoint/2010/main" id="1" dur="indefinite" restart="never" nodeType="tmRoot"/>
+      </p:par>
+    </p:tnLst>
+  </p:timing>
 </p:sld>
 </file>
 
@@ -14729,6 +17807,286 @@
   <p:clrMapOvr>
     <a:masterClrMapping/>
   </p:clrMapOvr>
+  <p:timing>
+    <p:tnLst>
+      <p:par>
+        <p:cTn xmlns:p14="http://schemas.microsoft.com/office/powerpoint/2010/main" id="1" dur="indefinite" restart="never" nodeType="tmRoot"/>
+      </p:par>
+    </p:tnLst>
+  </p:timing>
+</p:sld>
+</file>
+
+<file path=ppt/slides/slide9.xml><?xml version="1.0" encoding="utf-8"?>
+<p:sld xmlns:a="http://schemas.openxmlformats.org/drawingml/2006/main" xmlns:r="http://schemas.openxmlformats.org/officeDocument/2006/relationships" xmlns:p="http://schemas.openxmlformats.org/presentationml/2006/main">
+  <p:cSld>
+    <p:spTree>
+      <p:nvGrpSpPr>
+        <p:cNvPr id="1" name=""/>
+        <p:cNvGrpSpPr/>
+        <p:nvPr/>
+      </p:nvGrpSpPr>
+      <p:grpSpPr>
+        <a:xfrm>
+          <a:off x="0" y="0"/>
+          <a:ext cx="0" cy="0"/>
+          <a:chOff x="0" y="0"/>
+          <a:chExt cx="0" cy="0"/>
+        </a:xfrm>
+      </p:grpSpPr>
+      <p:sp>
+        <p:nvSpPr>
+          <p:cNvPr id="2" name="Title 1"/>
+          <p:cNvSpPr>
+            <a:spLocks noGrp="1"/>
+          </p:cNvSpPr>
+          <p:nvPr>
+            <p:ph type="title"/>
+          </p:nvPr>
+        </p:nvSpPr>
+        <p:spPr>
+          <a:xfrm>
+            <a:off x="1043490" y="456164"/>
+            <a:ext cx="7024744" cy="1143000"/>
+          </a:xfrm>
+        </p:spPr>
+        <p:txBody>
+          <a:bodyPr>
+            <a:normAutofit/>
+          </a:bodyPr>
+          <a:lstStyle/>
+          <a:p>
+            <a:r>
+              <a:rPr lang="en-US" dirty="0" smtClean="0"/>
+              <a:t>Card Interaction</a:t>
+            </a:r>
+            <a:endParaRPr lang="en-US" dirty="0"/>
+          </a:p>
+        </p:txBody>
+      </p:sp>
+      <p:sp>
+        <p:nvSpPr>
+          <p:cNvPr id="3" name="Content Placeholder 2"/>
+          <p:cNvSpPr>
+            <a:spLocks noGrp="1"/>
+          </p:cNvSpPr>
+          <p:nvPr>
+            <p:ph idx="1"/>
+          </p:nvPr>
+        </p:nvSpPr>
+        <p:spPr>
+          <a:xfrm>
+            <a:off x="1043490" y="1599165"/>
+            <a:ext cx="6777317" cy="972102"/>
+          </a:xfrm>
+        </p:spPr>
+        <p:txBody>
+          <a:bodyPr/>
+          <a:lstStyle/>
+          <a:p>
+            <a:pPr marL="68580" indent="0">
+              <a:buNone/>
+            </a:pPr>
+            <a:r>
+              <a:rPr lang="en-US" dirty="0" smtClean="0"/>
+              <a:t>When a card attacks another card, health values are exchanged based on attack </a:t>
+            </a:r>
+            <a:endParaRPr lang="en-US" dirty="0"/>
+          </a:p>
+        </p:txBody>
+      </p:sp>
+      <p:pic>
+        <p:nvPicPr>
+          <p:cNvPr id="5" name="Picture 4" descr="Screen Shot 2014-05-27 at 6.59.03 PM.png"/>
+          <p:cNvPicPr>
+            <a:picLocks noChangeAspect="1"/>
+          </p:cNvPicPr>
+          <p:nvPr/>
+        </p:nvPicPr>
+        <p:blipFill>
+          <a:blip r:embed="rId2">
+            <a:extLst>
+              <a:ext uri="{28A0092B-C50C-407E-A947-70E740481C1C}">
+                <a14:useLocalDpi xmlns:a14="http://schemas.microsoft.com/office/drawing/2010/main" val="0"/>
+              </a:ext>
+            </a:extLst>
+          </a:blip>
+          <a:stretch>
+            <a:fillRect/>
+          </a:stretch>
+        </p:blipFill>
+        <p:spPr>
+          <a:xfrm>
+            <a:off x="687256" y="2571267"/>
+            <a:ext cx="1637838" cy="2896546"/>
+          </a:xfrm>
+          <a:prstGeom prst="rect">
+            <a:avLst/>
+          </a:prstGeom>
+        </p:spPr>
+      </p:pic>
+      <p:graphicFrame>
+        <p:nvGraphicFramePr>
+          <p:cNvPr id="6" name="Diagram 5"/>
+          <p:cNvGraphicFramePr/>
+          <p:nvPr>
+            <p:extLst>
+              <p:ext uri="{D42A27DB-BD31-4B8C-83A1-F6EECF244321}">
+                <p14:modId xmlns:p14="http://schemas.microsoft.com/office/powerpoint/2010/main" val="2307095078"/>
+              </p:ext>
+            </p:extLst>
+          </p:nvPr>
+        </p:nvGraphicFramePr>
+        <p:xfrm>
+          <a:off x="2058951" y="2535081"/>
+          <a:ext cx="1217458" cy="901863"/>
+        </p:xfrm>
+        <a:graphic>
+          <a:graphicData uri="http://schemas.openxmlformats.org/drawingml/2006/diagram">
+            <dgm:relIds xmlns:dgm="http://schemas.openxmlformats.org/drawingml/2006/diagram" xmlns:r="http://schemas.openxmlformats.org/officeDocument/2006/relationships" r:dm="rId3" r:lo="rId4" r:qs="rId5" r:cs="rId6"/>
+          </a:graphicData>
+        </a:graphic>
+      </p:graphicFrame>
+      <p:pic>
+        <p:nvPicPr>
+          <p:cNvPr id="7" name="Picture 6" descr="Screen Shot 2014-05-27 at 7.01.44 PM.png"/>
+          <p:cNvPicPr>
+            <a:picLocks noChangeAspect="1"/>
+          </p:cNvPicPr>
+          <p:nvPr/>
+        </p:nvPicPr>
+        <p:blipFill>
+          <a:blip r:embed="rId8">
+            <a:extLst>
+              <a:ext uri="{28A0092B-C50C-407E-A947-70E740481C1C}">
+                <a14:useLocalDpi xmlns:a14="http://schemas.microsoft.com/office/drawing/2010/main" val="0"/>
+              </a:ext>
+            </a:extLst>
+          </a:blip>
+          <a:stretch>
+            <a:fillRect/>
+          </a:stretch>
+        </p:blipFill>
+        <p:spPr>
+          <a:xfrm>
+            <a:off x="3276409" y="2535081"/>
+            <a:ext cx="1589426" cy="2932732"/>
+          </a:xfrm>
+          <a:prstGeom prst="rect">
+            <a:avLst/>
+          </a:prstGeom>
+        </p:spPr>
+      </p:pic>
+      <p:sp>
+        <p:nvSpPr>
+          <p:cNvPr id="8" name="TextBox 7"/>
+          <p:cNvSpPr txBox="1"/>
+          <p:nvPr/>
+        </p:nvSpPr>
+        <p:spPr>
+          <a:xfrm>
+            <a:off x="5389984" y="3436944"/>
+            <a:ext cx="1347496" cy="1477328"/>
+          </a:xfrm>
+          <a:prstGeom prst="rect">
+            <a:avLst/>
+          </a:prstGeom>
+          <a:noFill/>
+        </p:spPr>
+        <p:txBody>
+          <a:bodyPr wrap="square" rtlCol="0">
+            <a:spAutoFit/>
+          </a:bodyPr>
+          <a:lstStyle/>
+          <a:p>
+            <a:r>
+              <a:rPr lang="en-US" dirty="0" smtClean="0"/>
+              <a:t>RESULT</a:t>
+            </a:r>
+          </a:p>
+          <a:p>
+            <a:endParaRPr lang="en-US" dirty="0"/>
+          </a:p>
+          <a:p>
+            <a:r>
+              <a:rPr lang="en-US" dirty="0" smtClean="0"/>
+              <a:t>DS </a:t>
+            </a:r>
+          </a:p>
+          <a:p>
+            <a:r>
+              <a:rPr lang="en-US" dirty="0" smtClean="0"/>
+              <a:t>Attack: 4</a:t>
+            </a:r>
+          </a:p>
+          <a:p>
+            <a:r>
+              <a:rPr lang="en-US" dirty="0" smtClean="0"/>
+              <a:t>Health: 1</a:t>
+            </a:r>
+            <a:endParaRPr lang="en-US" dirty="0"/>
+          </a:p>
+        </p:txBody>
+      </p:sp>
+      <p:sp>
+        <p:nvSpPr>
+          <p:cNvPr id="9" name="TextBox 8"/>
+          <p:cNvSpPr txBox="1"/>
+          <p:nvPr/>
+        </p:nvSpPr>
+        <p:spPr>
+          <a:xfrm>
+            <a:off x="7078227" y="3990942"/>
+            <a:ext cx="1190500" cy="923330"/>
+          </a:xfrm>
+          <a:prstGeom prst="rect">
+            <a:avLst/>
+          </a:prstGeom>
+          <a:noFill/>
+        </p:spPr>
+        <p:txBody>
+          <a:bodyPr wrap="none" rtlCol="0">
+            <a:spAutoFit/>
+          </a:bodyPr>
+          <a:lstStyle/>
+          <a:p>
+            <a:r>
+              <a:rPr lang="en-US" dirty="0" smtClean="0"/>
+              <a:t>DM</a:t>
+            </a:r>
+          </a:p>
+          <a:p>
+            <a:r>
+              <a:rPr lang="en-US" dirty="0" smtClean="0"/>
+              <a:t>Attack: 1</a:t>
+            </a:r>
+          </a:p>
+          <a:p>
+            <a:r>
+              <a:rPr lang="en-US" dirty="0" smtClean="0"/>
+              <a:t>Health: 2</a:t>
+            </a:r>
+            <a:endParaRPr lang="en-US" dirty="0"/>
+          </a:p>
+        </p:txBody>
+      </p:sp>
+    </p:spTree>
+    <p:extLst>
+      <p:ext uri="{BB962C8B-B14F-4D97-AF65-F5344CB8AC3E}">
+        <p14:creationId xmlns:p14="http://schemas.microsoft.com/office/powerpoint/2010/main" val="4179989343"/>
+      </p:ext>
+    </p:extLst>
+  </p:cSld>
+  <p:clrMapOvr>
+    <a:masterClrMapping/>
+  </p:clrMapOvr>
+  <p:timing>
+    <p:tnLst>
+      <p:par>
+        <p:cTn xmlns:p14="http://schemas.microsoft.com/office/powerpoint/2010/main" id="1" dur="indefinite" restart="never" nodeType="tmRoot"/>
+      </p:par>
+    </p:tnLst>
+  </p:timing>
 </p:sld>
 </file>
 
